--- a/aspnet5/slides/04_Controllers.pptx
+++ b/aspnet5/slides/04_Controllers.pptx
@@ -5,13 +5,28 @@
     <p:sldMasterId id="2147483772" r:id="rId1"/>
   </p:sldMasterIdLst>
   <p:notesMasterIdLst>
-    <p:notesMasterId r:id="rId3"/>
+    <p:notesMasterId r:id="rId18"/>
   </p:notesMasterIdLst>
   <p:handoutMasterIdLst>
-    <p:handoutMasterId r:id="rId4"/>
+    <p:handoutMasterId r:id="rId19"/>
   </p:handoutMasterIdLst>
   <p:sldIdLst>
     <p:sldId id="327" r:id="rId2"/>
+    <p:sldId id="328" r:id="rId3"/>
+    <p:sldId id="329" r:id="rId4"/>
+    <p:sldId id="332" r:id="rId5"/>
+    <p:sldId id="330" r:id="rId6"/>
+    <p:sldId id="331" r:id="rId7"/>
+    <p:sldId id="334" r:id="rId8"/>
+    <p:sldId id="338" r:id="rId9"/>
+    <p:sldId id="333" r:id="rId10"/>
+    <p:sldId id="337" r:id="rId11"/>
+    <p:sldId id="335" r:id="rId12"/>
+    <p:sldId id="336" r:id="rId13"/>
+    <p:sldId id="339" r:id="rId14"/>
+    <p:sldId id="340" r:id="rId15"/>
+    <p:sldId id="342" r:id="rId16"/>
+    <p:sldId id="341" r:id="rId17"/>
   </p:sldIdLst>
   <p:sldSz cx="9144000" cy="6858000" type="screen4x3"/>
   <p:notesSz cx="7302500" cy="9588500"/>
@@ -146,6 +161,21 @@
         <p14:section name="Default Section" id="{1FAFB904-873B-4B5C-A5B3-7BBCB9659514}">
           <p14:sldIdLst>
             <p14:sldId id="327"/>
+            <p14:sldId id="328"/>
+            <p14:sldId id="329"/>
+            <p14:sldId id="332"/>
+            <p14:sldId id="330"/>
+            <p14:sldId id="331"/>
+            <p14:sldId id="334"/>
+            <p14:sldId id="338"/>
+            <p14:sldId id="333"/>
+            <p14:sldId id="337"/>
+            <p14:sldId id="335"/>
+            <p14:sldId id="336"/>
+            <p14:sldId id="339"/>
+            <p14:sldId id="340"/>
+            <p14:sldId id="342"/>
+            <p14:sldId id="341"/>
           </p14:sldIdLst>
         </p14:section>
       </p14:sectionLst>
@@ -273,7 +303,7 @@
               <a:pPr>
                 <a:defRPr/>
               </a:pPr>
-              <a:t>9/8/2015</a:t>
+              <a:t>9/9/2015</a:t>
             </a:fld>
             <a:endParaRPr lang="en-US"/>
           </a:p>
@@ -905,6 +935,192 @@
     <p:extLst>
       <p:ext uri="{BB962C8B-B14F-4D97-AF65-F5344CB8AC3E}">
         <p14:creationId xmlns:p14="http://schemas.microsoft.com/office/powerpoint/2010/main" val="2286862011"/>
+      </p:ext>
+    </p:extLst>
+  </p:cSld>
+  <p:clrMapOvr>
+    <a:masterClrMapping/>
+  </p:clrMapOvr>
+</p:notes>
+</file>
+
+<file path=ppt/notesSlides/notesSlide2.xml><?xml version="1.0" encoding="utf-8"?>
+<p:notes xmlns:a="http://schemas.openxmlformats.org/drawingml/2006/main" xmlns:r="http://schemas.openxmlformats.org/officeDocument/2006/relationships" xmlns:p="http://schemas.openxmlformats.org/presentationml/2006/main">
+  <p:cSld>
+    <p:spTree>
+      <p:nvGrpSpPr>
+        <p:cNvPr id="1" name=""/>
+        <p:cNvGrpSpPr/>
+        <p:nvPr/>
+      </p:nvGrpSpPr>
+      <p:grpSpPr>
+        <a:xfrm>
+          <a:off x="0" y="0"/>
+          <a:ext cx="0" cy="0"/>
+          <a:chOff x="0" y="0"/>
+          <a:chExt cx="0" cy="0"/>
+        </a:xfrm>
+      </p:grpSpPr>
+      <p:sp>
+        <p:nvSpPr>
+          <p:cNvPr id="2" name="Slide Image Placeholder 1"/>
+          <p:cNvSpPr>
+            <a:spLocks noGrp="1" noRot="1" noChangeAspect="1"/>
+          </p:cNvSpPr>
+          <p:nvPr>
+            <p:ph type="sldImg"/>
+          </p:nvPr>
+        </p:nvSpPr>
+        <p:spPr/>
+      </p:sp>
+      <p:sp>
+        <p:nvSpPr>
+          <p:cNvPr id="3" name="Notes Placeholder 2"/>
+          <p:cNvSpPr>
+            <a:spLocks noGrp="1"/>
+          </p:cNvSpPr>
+          <p:nvPr>
+            <p:ph type="body" idx="1"/>
+          </p:nvPr>
+        </p:nvSpPr>
+        <p:spPr/>
+        <p:txBody>
+          <a:bodyPr>
+            <a:normAutofit/>
+          </a:bodyPr>
+          <a:lstStyle/>
+          <a:p>
+            <a:r>
+              <a:rPr lang="en-US" dirty="0" smtClean="0"/>
+              <a:t>Routing has other uses outside of ASP.NET MVC</a:t>
+            </a:r>
+            <a:endParaRPr lang="en-US" dirty="0"/>
+          </a:p>
+        </p:txBody>
+      </p:sp>
+      <p:sp>
+        <p:nvSpPr>
+          <p:cNvPr id="4" name="Slide Number Placeholder 3"/>
+          <p:cNvSpPr>
+            <a:spLocks noGrp="1"/>
+          </p:cNvSpPr>
+          <p:nvPr>
+            <p:ph type="sldNum" sz="quarter" idx="10"/>
+          </p:nvPr>
+        </p:nvSpPr>
+        <p:spPr/>
+        <p:txBody>
+          <a:bodyPr/>
+          <a:lstStyle/>
+          <a:p>
+            <a:pPr>
+              <a:defRPr/>
+            </a:pPr>
+            <a:fld id="{11D29CD3-EA91-4B07-8041-33A63E8C46BA}" type="slidenum">
+              <a:rPr lang="en-US" smtClean="0"/>
+              <a:pPr>
+                <a:defRPr/>
+              </a:pPr>
+              <a:t>2</a:t>
+            </a:fld>
+            <a:endParaRPr lang="en-US"/>
+          </a:p>
+        </p:txBody>
+      </p:sp>
+    </p:spTree>
+    <p:extLst>
+      <p:ext uri="{BB962C8B-B14F-4D97-AF65-F5344CB8AC3E}">
+        <p14:creationId xmlns:p14="http://schemas.microsoft.com/office/powerpoint/2010/main" val="4252650259"/>
+      </p:ext>
+    </p:extLst>
+  </p:cSld>
+  <p:clrMapOvr>
+    <a:masterClrMapping/>
+  </p:clrMapOvr>
+</p:notes>
+</file>
+
+<file path=ppt/notesSlides/notesSlide3.xml><?xml version="1.0" encoding="utf-8"?>
+<p:notes xmlns:a="http://schemas.openxmlformats.org/drawingml/2006/main" xmlns:r="http://schemas.openxmlformats.org/officeDocument/2006/relationships" xmlns:p="http://schemas.openxmlformats.org/presentationml/2006/main">
+  <p:cSld>
+    <p:spTree>
+      <p:nvGrpSpPr>
+        <p:cNvPr id="1" name=""/>
+        <p:cNvGrpSpPr/>
+        <p:nvPr/>
+      </p:nvGrpSpPr>
+      <p:grpSpPr>
+        <a:xfrm>
+          <a:off x="0" y="0"/>
+          <a:ext cx="0" cy="0"/>
+          <a:chOff x="0" y="0"/>
+          <a:chExt cx="0" cy="0"/>
+        </a:xfrm>
+      </p:grpSpPr>
+      <p:sp>
+        <p:nvSpPr>
+          <p:cNvPr id="2" name="Slide Image Placeholder 1"/>
+          <p:cNvSpPr>
+            <a:spLocks noGrp="1" noRot="1" noChangeAspect="1"/>
+          </p:cNvSpPr>
+          <p:nvPr>
+            <p:ph type="sldImg"/>
+          </p:nvPr>
+        </p:nvSpPr>
+        <p:spPr/>
+      </p:sp>
+      <p:sp>
+        <p:nvSpPr>
+          <p:cNvPr id="3" name="Notes Placeholder 2"/>
+          <p:cNvSpPr>
+            <a:spLocks noGrp="1"/>
+          </p:cNvSpPr>
+          <p:nvPr>
+            <p:ph type="body" idx="1"/>
+          </p:nvPr>
+        </p:nvSpPr>
+        <p:spPr/>
+        <p:txBody>
+          <a:bodyPr/>
+          <a:lstStyle/>
+          <a:p>
+            <a:endParaRPr lang="en-US" dirty="0"/>
+          </a:p>
+        </p:txBody>
+      </p:sp>
+      <p:sp>
+        <p:nvSpPr>
+          <p:cNvPr id="4" name="Slide Number Placeholder 3"/>
+          <p:cNvSpPr>
+            <a:spLocks noGrp="1"/>
+          </p:cNvSpPr>
+          <p:nvPr>
+            <p:ph type="sldNum" sz="quarter" idx="10"/>
+          </p:nvPr>
+        </p:nvSpPr>
+        <p:spPr/>
+        <p:txBody>
+          <a:bodyPr/>
+          <a:lstStyle/>
+          <a:p>
+            <a:pPr>
+              <a:defRPr/>
+            </a:pPr>
+            <a:fld id="{11D29CD3-EA91-4B07-8041-33A63E8C46BA}" type="slidenum">
+              <a:rPr lang="en-US" smtClean="0"/>
+              <a:pPr>
+                <a:defRPr/>
+              </a:pPr>
+              <a:t>4</a:t>
+            </a:fld>
+            <a:endParaRPr lang="en-US"/>
+          </a:p>
+        </p:txBody>
+      </p:sp>
+    </p:spTree>
+    <p:extLst>
+      <p:ext uri="{BB962C8B-B14F-4D97-AF65-F5344CB8AC3E}">
+        <p14:creationId xmlns:p14="http://schemas.microsoft.com/office/powerpoint/2010/main" val="514142815"/>
       </p:ext>
     </p:extLst>
   </p:cSld>
@@ -2752,7 +2968,6 @@
               <a:rPr lang="en-US" dirty="0" smtClean="0"/>
               <a:t>ASP.NET MVC</a:t>
             </a:r>
-            <a:endParaRPr lang="en-US" dirty="0" smtClean="0"/>
           </a:p>
         </p:txBody>
       </p:sp>
@@ -2776,11 +2991,2411 @@
               <a:rPr lang="en-US" dirty="0" smtClean="0"/>
               <a:t>C is for Controller</a:t>
             </a:r>
+          </a:p>
+        </p:txBody>
+      </p:sp>
+    </p:spTree>
+  </p:cSld>
+  <p:clrMapOvr>
+    <a:masterClrMapping/>
+  </p:clrMapOvr>
+  <p:transition>
+    <p:fade/>
+  </p:transition>
+  <p:timing>
+    <p:tnLst>
+      <p:par>
+        <p:cTn id="1" dur="indefinite" restart="never" nodeType="tmRoot"/>
+      </p:par>
+    </p:tnLst>
+  </p:timing>
+</p:sld>
+</file>
+
+<file path=ppt/slides/slide10.xml><?xml version="1.0" encoding="utf-8"?>
+<p:sld xmlns:a="http://schemas.openxmlformats.org/drawingml/2006/main" xmlns:r="http://schemas.openxmlformats.org/officeDocument/2006/relationships" xmlns:p="http://schemas.openxmlformats.org/presentationml/2006/main">
+  <p:cSld>
+    <p:spTree>
+      <p:nvGrpSpPr>
+        <p:cNvPr id="1" name=""/>
+        <p:cNvGrpSpPr/>
+        <p:nvPr/>
+      </p:nvGrpSpPr>
+      <p:grpSpPr>
+        <a:xfrm>
+          <a:off x="0" y="0"/>
+          <a:ext cx="0" cy="0"/>
+          <a:chOff x="0" y="0"/>
+          <a:chExt cx="0" cy="0"/>
+        </a:xfrm>
+      </p:grpSpPr>
+      <p:sp>
+        <p:nvSpPr>
+          <p:cNvPr id="2" name="Title 1"/>
+          <p:cNvSpPr>
+            <a:spLocks noGrp="1"/>
+          </p:cNvSpPr>
+          <p:nvPr>
+            <p:ph type="title"/>
+          </p:nvPr>
+        </p:nvSpPr>
+        <p:spPr/>
+        <p:txBody>
+          <a:bodyPr/>
+          <a:lstStyle/>
+          <a:p>
+            <a:r>
+              <a:rPr lang="en-US" dirty="0" smtClean="0"/>
+              <a:t>Action Result Helpers</a:t>
+            </a:r>
+            <a:endParaRPr lang="en-US" dirty="0"/>
+          </a:p>
+        </p:txBody>
+      </p:sp>
+      <p:sp>
+        <p:nvSpPr>
+          <p:cNvPr id="3" name="Text Placeholder 2"/>
+          <p:cNvSpPr>
+            <a:spLocks noGrp="1"/>
+          </p:cNvSpPr>
+          <p:nvPr>
+            <p:ph type="body" idx="1"/>
+          </p:nvPr>
+        </p:nvSpPr>
+        <p:spPr/>
+        <p:txBody>
+          <a:bodyPr/>
+          <a:lstStyle/>
+          <a:p>
+            <a:r>
+              <a:rPr lang="en-US" dirty="0" smtClean="0"/>
+              <a:t>Controller base class provides convenience methods</a:t>
+            </a:r>
+          </a:p>
+          <a:p>
+            <a:pPr lvl="1"/>
+            <a:r>
+              <a:rPr lang="en-US" dirty="0" smtClean="0"/>
+              <a:t>Created, </a:t>
+            </a:r>
+            <a:r>
+              <a:rPr lang="en-US" dirty="0" err="1" smtClean="0"/>
+              <a:t>HttpNotFound</a:t>
+            </a:r>
+            <a:r>
+              <a:rPr lang="en-US" dirty="0" smtClean="0"/>
+              <a:t>, 	Redirect, and more</a:t>
+            </a:r>
+            <a:endParaRPr lang="en-US" dirty="0"/>
+          </a:p>
+        </p:txBody>
+      </p:sp>
+      <p:pic>
+        <p:nvPicPr>
+          <p:cNvPr id="4" name="Picture 3"/>
+          <p:cNvPicPr>
+            <a:picLocks noChangeAspect="1"/>
+          </p:cNvPicPr>
+          <p:nvPr/>
+        </p:nvPicPr>
+        <p:blipFill>
+          <a:blip r:embed="rId2"/>
+          <a:stretch>
+            <a:fillRect/>
+          </a:stretch>
+        </p:blipFill>
+        <p:spPr>
+          <a:xfrm>
+            <a:off x="569119" y="2971800"/>
+            <a:ext cx="8005762" cy="2024350"/>
+          </a:xfrm>
+          <a:prstGeom prst="rect">
+            <a:avLst/>
+          </a:prstGeom>
+          <a:ln>
+            <a:noFill/>
+          </a:ln>
+          <a:effectLst>
+            <a:outerShdw blurRad="292100" dist="139700" dir="2700000" algn="tl" rotWithShape="0">
+              <a:srgbClr val="333333">
+                <a:alpha val="65000"/>
+              </a:srgbClr>
+            </a:outerShdw>
+          </a:effectLst>
+        </p:spPr>
+      </p:pic>
+    </p:spTree>
+    <p:extLst>
+      <p:ext uri="{BB962C8B-B14F-4D97-AF65-F5344CB8AC3E}">
+        <p14:creationId xmlns:p14="http://schemas.microsoft.com/office/powerpoint/2010/main" val="1842335509"/>
+      </p:ext>
+    </p:extLst>
+  </p:cSld>
+  <p:clrMapOvr>
+    <a:masterClrMapping/>
+  </p:clrMapOvr>
+  <p:transition>
+    <p:fade/>
+  </p:transition>
+</p:sld>
+</file>
+
+<file path=ppt/slides/slide11.xml><?xml version="1.0" encoding="utf-8"?>
+<p:sld xmlns:a="http://schemas.openxmlformats.org/drawingml/2006/main" xmlns:r="http://schemas.openxmlformats.org/officeDocument/2006/relationships" xmlns:p="http://schemas.openxmlformats.org/presentationml/2006/main">
+  <p:cSld>
+    <p:spTree>
+      <p:nvGrpSpPr>
+        <p:cNvPr id="1" name=""/>
+        <p:cNvGrpSpPr/>
+        <p:nvPr/>
+      </p:nvGrpSpPr>
+      <p:grpSpPr>
+        <a:xfrm>
+          <a:off x="0" y="0"/>
+          <a:ext cx="0" cy="0"/>
+          <a:chOff x="0" y="0"/>
+          <a:chExt cx="0" cy="0"/>
+        </a:xfrm>
+      </p:grpSpPr>
+      <p:sp>
+        <p:nvSpPr>
+          <p:cNvPr id="2" name="Title 1"/>
+          <p:cNvSpPr>
+            <a:spLocks noGrp="1"/>
+          </p:cNvSpPr>
+          <p:nvPr>
+            <p:ph type="title"/>
+          </p:nvPr>
+        </p:nvSpPr>
+        <p:spPr/>
+        <p:txBody>
+          <a:bodyPr/>
+          <a:lstStyle/>
+          <a:p>
+            <a:r>
+              <a:rPr lang="en-US" dirty="0" smtClean="0"/>
+              <a:t>Content Negotiation</a:t>
+            </a:r>
+            <a:endParaRPr lang="en-US" dirty="0"/>
+          </a:p>
+        </p:txBody>
+      </p:sp>
+      <p:sp>
+        <p:nvSpPr>
+          <p:cNvPr id="3" name="Text Placeholder 2"/>
+          <p:cNvSpPr>
+            <a:spLocks noGrp="1"/>
+          </p:cNvSpPr>
+          <p:nvPr>
+            <p:ph type="body" idx="1"/>
+          </p:nvPr>
+        </p:nvSpPr>
+        <p:spPr/>
+        <p:txBody>
+          <a:bodyPr/>
+          <a:lstStyle/>
+          <a:p>
+            <a:r>
+              <a:rPr lang="en-US" dirty="0" smtClean="0"/>
+              <a:t>Default format is JSON </a:t>
+            </a:r>
+          </a:p>
+          <a:p>
+            <a:r>
+              <a:rPr lang="en-US" dirty="0" smtClean="0"/>
+              <a:t>XML formatter not included by default</a:t>
+            </a:r>
+            <a:endParaRPr lang="en-US" dirty="0"/>
+          </a:p>
+        </p:txBody>
+      </p:sp>
+      <p:pic>
+        <p:nvPicPr>
+          <p:cNvPr id="4" name="Picture 3"/>
+          <p:cNvPicPr>
+            <a:picLocks noChangeAspect="1"/>
+          </p:cNvPicPr>
+          <p:nvPr/>
+        </p:nvPicPr>
+        <p:blipFill>
+          <a:blip r:embed="rId2"/>
+          <a:stretch>
+            <a:fillRect/>
+          </a:stretch>
+        </p:blipFill>
+        <p:spPr>
+          <a:xfrm>
+            <a:off x="671512" y="2595562"/>
+            <a:ext cx="7800975" cy="1666875"/>
+          </a:xfrm>
+          <a:prstGeom prst="rect">
+            <a:avLst/>
+          </a:prstGeom>
+          <a:ln>
+            <a:noFill/>
+          </a:ln>
+          <a:effectLst>
+            <a:outerShdw blurRad="292100" dist="139700" dir="2700000" algn="tl" rotWithShape="0">
+              <a:srgbClr val="333333">
+                <a:alpha val="65000"/>
+              </a:srgbClr>
+            </a:outerShdw>
+          </a:effectLst>
+        </p:spPr>
+      </p:pic>
+    </p:spTree>
+    <p:extLst>
+      <p:ext uri="{BB962C8B-B14F-4D97-AF65-F5344CB8AC3E}">
+        <p14:creationId xmlns:p14="http://schemas.microsoft.com/office/powerpoint/2010/main" val="1931151521"/>
+      </p:ext>
+    </p:extLst>
+  </p:cSld>
+  <p:clrMapOvr>
+    <a:masterClrMapping/>
+  </p:clrMapOvr>
+  <p:transition>
+    <p:fade/>
+  </p:transition>
+  <p:timing>
+    <p:tnLst>
+      <p:par>
+        <p:cTn id="1" dur="indefinite" restart="never" nodeType="tmRoot"/>
+      </p:par>
+    </p:tnLst>
+  </p:timing>
+</p:sld>
+</file>
+
+<file path=ppt/slides/slide12.xml><?xml version="1.0" encoding="utf-8"?>
+<p:sld xmlns:a="http://schemas.openxmlformats.org/drawingml/2006/main" xmlns:r="http://schemas.openxmlformats.org/officeDocument/2006/relationships" xmlns:p="http://schemas.openxmlformats.org/presentationml/2006/main">
+  <p:cSld>
+    <p:spTree>
+      <p:nvGrpSpPr>
+        <p:cNvPr id="1" name=""/>
+        <p:cNvGrpSpPr/>
+        <p:nvPr/>
+      </p:nvGrpSpPr>
+      <p:grpSpPr>
+        <a:xfrm>
+          <a:off x="0" y="0"/>
+          <a:ext cx="0" cy="0"/>
+          <a:chOff x="0" y="0"/>
+          <a:chExt cx="0" cy="0"/>
+        </a:xfrm>
+      </p:grpSpPr>
+      <p:sp>
+        <p:nvSpPr>
+          <p:cNvPr id="2" name="Title 1"/>
+          <p:cNvSpPr>
+            <a:spLocks noGrp="1"/>
+          </p:cNvSpPr>
+          <p:nvPr>
+            <p:ph type="title"/>
+          </p:nvPr>
+        </p:nvSpPr>
+        <p:spPr/>
+        <p:txBody>
+          <a:bodyPr/>
+          <a:lstStyle/>
+          <a:p>
+            <a:r>
+              <a:rPr lang="en-US" dirty="0" smtClean="0"/>
+              <a:t>MVC Options</a:t>
+            </a:r>
+            <a:endParaRPr lang="en-US" dirty="0"/>
+          </a:p>
+        </p:txBody>
+      </p:sp>
+      <p:sp>
+        <p:nvSpPr>
+          <p:cNvPr id="3" name="Text Placeholder 2"/>
+          <p:cNvSpPr>
+            <a:spLocks noGrp="1"/>
+          </p:cNvSpPr>
+          <p:nvPr>
+            <p:ph type="body" idx="1"/>
+          </p:nvPr>
+        </p:nvSpPr>
+        <p:spPr/>
+        <p:txBody>
+          <a:bodyPr/>
+          <a:lstStyle/>
+          <a:p>
+            <a:r>
+              <a:rPr lang="en-US" dirty="0" smtClean="0"/>
+              <a:t>Configure in </a:t>
+            </a:r>
+            <a:r>
+              <a:rPr lang="en-US" dirty="0" err="1" smtClean="0"/>
+              <a:t>ConfigureServices</a:t>
+            </a:r>
+            <a:endParaRPr lang="en-US" dirty="0"/>
+          </a:p>
+        </p:txBody>
+      </p:sp>
+      <p:pic>
+        <p:nvPicPr>
+          <p:cNvPr id="4" name="Picture 3"/>
+          <p:cNvPicPr>
+            <a:picLocks noChangeAspect="1"/>
+          </p:cNvPicPr>
+          <p:nvPr/>
+        </p:nvPicPr>
+        <p:blipFill>
+          <a:blip r:embed="rId2"/>
+          <a:stretch>
+            <a:fillRect/>
+          </a:stretch>
+        </p:blipFill>
+        <p:spPr>
+          <a:xfrm>
+            <a:off x="795337" y="2247900"/>
+            <a:ext cx="7553325" cy="2362200"/>
+          </a:xfrm>
+          <a:prstGeom prst="rect">
+            <a:avLst/>
+          </a:prstGeom>
+          <a:ln>
+            <a:noFill/>
+          </a:ln>
+          <a:effectLst>
+            <a:outerShdw blurRad="292100" dist="139700" dir="2700000" algn="tl" rotWithShape="0">
+              <a:srgbClr val="333333">
+                <a:alpha val="65000"/>
+              </a:srgbClr>
+            </a:outerShdw>
+          </a:effectLst>
+        </p:spPr>
+      </p:pic>
+    </p:spTree>
+    <p:extLst>
+      <p:ext uri="{BB962C8B-B14F-4D97-AF65-F5344CB8AC3E}">
+        <p14:creationId xmlns:p14="http://schemas.microsoft.com/office/powerpoint/2010/main" val="391494109"/>
+      </p:ext>
+    </p:extLst>
+  </p:cSld>
+  <p:clrMapOvr>
+    <a:masterClrMapping/>
+  </p:clrMapOvr>
+  <p:transition>
+    <p:fade/>
+  </p:transition>
+  <p:timing>
+    <p:tnLst>
+      <p:par>
+        <p:cTn id="1" dur="indefinite" restart="never" nodeType="tmRoot"/>
+      </p:par>
+    </p:tnLst>
+  </p:timing>
+</p:sld>
+</file>
+
+<file path=ppt/slides/slide13.xml><?xml version="1.0" encoding="utf-8"?>
+<p:sld xmlns:a="http://schemas.openxmlformats.org/drawingml/2006/main" xmlns:r="http://schemas.openxmlformats.org/officeDocument/2006/relationships" xmlns:p="http://schemas.openxmlformats.org/presentationml/2006/main">
+  <p:cSld>
+    <p:spTree>
+      <p:nvGrpSpPr>
+        <p:cNvPr id="1" name=""/>
+        <p:cNvGrpSpPr/>
+        <p:nvPr/>
+      </p:nvGrpSpPr>
+      <p:grpSpPr>
+        <a:xfrm>
+          <a:off x="0" y="0"/>
+          <a:ext cx="0" cy="0"/>
+          <a:chOff x="0" y="0"/>
+          <a:chExt cx="0" cy="0"/>
+        </a:xfrm>
+      </p:grpSpPr>
+      <p:sp>
+        <p:nvSpPr>
+          <p:cNvPr id="2" name="Title 1"/>
+          <p:cNvSpPr>
+            <a:spLocks noGrp="1"/>
+          </p:cNvSpPr>
+          <p:nvPr>
+            <p:ph type="title"/>
+          </p:nvPr>
+        </p:nvSpPr>
+        <p:spPr/>
+        <p:txBody>
+          <a:bodyPr/>
+          <a:lstStyle/>
+          <a:p>
+            <a:r>
+              <a:rPr lang="en-US" dirty="0" smtClean="0"/>
+              <a:t>Action Filters</a:t>
+            </a:r>
+            <a:endParaRPr lang="en-US" dirty="0"/>
+          </a:p>
+        </p:txBody>
+      </p:sp>
+      <p:sp>
+        <p:nvSpPr>
+          <p:cNvPr id="3" name="Text Placeholder 2"/>
+          <p:cNvSpPr>
+            <a:spLocks noGrp="1"/>
+          </p:cNvSpPr>
+          <p:nvPr>
+            <p:ph type="body" idx="1"/>
+          </p:nvPr>
+        </p:nvSpPr>
+        <p:spPr/>
+        <p:txBody>
+          <a:bodyPr/>
+          <a:lstStyle/>
+          <a:p>
+            <a:r>
+              <a:rPr lang="en-US" dirty="0" smtClean="0"/>
+              <a:t>Filters work on actions, controllers, and globally</a:t>
+            </a:r>
+            <a:endParaRPr lang="en-US" dirty="0"/>
+          </a:p>
+        </p:txBody>
+      </p:sp>
+      <p:pic>
+        <p:nvPicPr>
+          <p:cNvPr id="4" name="Picture 3"/>
+          <p:cNvPicPr>
+            <a:picLocks noChangeAspect="1"/>
+          </p:cNvPicPr>
+          <p:nvPr/>
+        </p:nvPicPr>
+        <p:blipFill>
+          <a:blip r:embed="rId2"/>
+          <a:stretch>
+            <a:fillRect/>
+          </a:stretch>
+        </p:blipFill>
+        <p:spPr>
+          <a:xfrm>
+            <a:off x="647700" y="2819400"/>
+            <a:ext cx="7848600" cy="2000250"/>
+          </a:xfrm>
+          <a:prstGeom prst="rect">
+            <a:avLst/>
+          </a:prstGeom>
+          <a:ln>
+            <a:noFill/>
+          </a:ln>
+          <a:effectLst>
+            <a:outerShdw blurRad="292100" dist="139700" dir="2700000" algn="tl" rotWithShape="0">
+              <a:srgbClr val="333333">
+                <a:alpha val="65000"/>
+              </a:srgbClr>
+            </a:outerShdw>
+          </a:effectLst>
+        </p:spPr>
+      </p:pic>
+    </p:spTree>
+    <p:extLst>
+      <p:ext uri="{BB962C8B-B14F-4D97-AF65-F5344CB8AC3E}">
+        <p14:creationId xmlns:p14="http://schemas.microsoft.com/office/powerpoint/2010/main" val="1561514296"/>
+      </p:ext>
+    </p:extLst>
+  </p:cSld>
+  <p:clrMapOvr>
+    <a:masterClrMapping/>
+  </p:clrMapOvr>
+  <p:transition>
+    <p:fade/>
+  </p:transition>
+</p:sld>
+</file>
+
+<file path=ppt/slides/slide14.xml><?xml version="1.0" encoding="utf-8"?>
+<p:sld xmlns:a="http://schemas.openxmlformats.org/drawingml/2006/main" xmlns:r="http://schemas.openxmlformats.org/officeDocument/2006/relationships" xmlns:p="http://schemas.openxmlformats.org/presentationml/2006/main">
+  <p:cSld>
+    <p:spTree>
+      <p:nvGrpSpPr>
+        <p:cNvPr id="1" name=""/>
+        <p:cNvGrpSpPr/>
+        <p:nvPr/>
+      </p:nvGrpSpPr>
+      <p:grpSpPr>
+        <a:xfrm>
+          <a:off x="0" y="0"/>
+          <a:ext cx="0" cy="0"/>
+          <a:chOff x="0" y="0"/>
+          <a:chExt cx="0" cy="0"/>
+        </a:xfrm>
+      </p:grpSpPr>
+      <p:sp>
+        <p:nvSpPr>
+          <p:cNvPr id="2" name="Title 1"/>
+          <p:cNvSpPr>
+            <a:spLocks noGrp="1"/>
+          </p:cNvSpPr>
+          <p:nvPr>
+            <p:ph type="title"/>
+          </p:nvPr>
+        </p:nvSpPr>
+        <p:spPr/>
+        <p:txBody>
+          <a:bodyPr/>
+          <a:lstStyle/>
+          <a:p>
+            <a:r>
+              <a:rPr lang="en-US" dirty="0" smtClean="0"/>
+              <a:t>Dependency Injection</a:t>
+            </a:r>
+            <a:endParaRPr lang="en-US" dirty="0"/>
+          </a:p>
+        </p:txBody>
+      </p:sp>
+      <p:sp>
+        <p:nvSpPr>
+          <p:cNvPr id="3" name="Text Placeholder 2"/>
+          <p:cNvSpPr>
+            <a:spLocks noGrp="1"/>
+          </p:cNvSpPr>
+          <p:nvPr>
+            <p:ph type="body" idx="1"/>
+          </p:nvPr>
+        </p:nvSpPr>
+        <p:spPr/>
+        <p:txBody>
+          <a:bodyPr/>
+          <a:lstStyle/>
+          <a:p>
+            <a:r>
+              <a:rPr lang="en-US" dirty="0" smtClean="0"/>
+              <a:t>Controller and filters can all use constructor injection</a:t>
+            </a:r>
+            <a:endParaRPr lang="en-US" dirty="0"/>
+          </a:p>
+        </p:txBody>
+      </p:sp>
+      <p:pic>
+        <p:nvPicPr>
+          <p:cNvPr id="4" name="Picture 3"/>
+          <p:cNvPicPr>
+            <a:picLocks noChangeAspect="1"/>
+          </p:cNvPicPr>
+          <p:nvPr/>
+        </p:nvPicPr>
+        <p:blipFill>
+          <a:blip r:embed="rId2"/>
+          <a:stretch>
+            <a:fillRect/>
+          </a:stretch>
+        </p:blipFill>
+        <p:spPr>
+          <a:xfrm>
+            <a:off x="1071562" y="2590800"/>
+            <a:ext cx="7000875" cy="1676400"/>
+          </a:xfrm>
+          <a:prstGeom prst="rect">
+            <a:avLst/>
+          </a:prstGeom>
+          <a:ln>
+            <a:noFill/>
+          </a:ln>
+          <a:effectLst>
+            <a:outerShdw blurRad="292100" dist="139700" dir="2700000" algn="tl" rotWithShape="0">
+              <a:srgbClr val="333333">
+                <a:alpha val="65000"/>
+              </a:srgbClr>
+            </a:outerShdw>
+          </a:effectLst>
+        </p:spPr>
+      </p:pic>
+    </p:spTree>
+    <p:extLst>
+      <p:ext uri="{BB962C8B-B14F-4D97-AF65-F5344CB8AC3E}">
+        <p14:creationId xmlns:p14="http://schemas.microsoft.com/office/powerpoint/2010/main" val="101160245"/>
+      </p:ext>
+    </p:extLst>
+  </p:cSld>
+  <p:clrMapOvr>
+    <a:masterClrMapping/>
+  </p:clrMapOvr>
+  <p:transition>
+    <p:fade/>
+  </p:transition>
+</p:sld>
+</file>
+
+<file path=ppt/slides/slide15.xml><?xml version="1.0" encoding="utf-8"?>
+<p:sld xmlns:a="http://schemas.openxmlformats.org/drawingml/2006/main" xmlns:r="http://schemas.openxmlformats.org/officeDocument/2006/relationships" xmlns:p="http://schemas.openxmlformats.org/presentationml/2006/main">
+  <p:cSld>
+    <p:spTree>
+      <p:nvGrpSpPr>
+        <p:cNvPr id="1" name=""/>
+        <p:cNvGrpSpPr/>
+        <p:nvPr/>
+      </p:nvGrpSpPr>
+      <p:grpSpPr>
+        <a:xfrm>
+          <a:off x="0" y="0"/>
+          <a:ext cx="0" cy="0"/>
+          <a:chOff x="0" y="0"/>
+          <a:chExt cx="0" cy="0"/>
+        </a:xfrm>
+      </p:grpSpPr>
+      <p:sp>
+        <p:nvSpPr>
+          <p:cNvPr id="2" name="Title 1"/>
+          <p:cNvSpPr>
+            <a:spLocks noGrp="1"/>
+          </p:cNvSpPr>
+          <p:nvPr>
+            <p:ph type="title"/>
+          </p:nvPr>
+        </p:nvSpPr>
+        <p:spPr/>
+        <p:txBody>
+          <a:bodyPr/>
+          <a:lstStyle/>
+          <a:p>
+            <a:r>
+              <a:rPr lang="en-US" dirty="0" smtClean="0"/>
+              <a:t>[</a:t>
+            </a:r>
+            <a:r>
+              <a:rPr lang="en-US" dirty="0" err="1" smtClean="0"/>
+              <a:t>FromServices</a:t>
+            </a:r>
+            <a:r>
+              <a:rPr lang="en-US" dirty="0" smtClean="0"/>
+              <a:t>]</a:t>
+            </a:r>
+            <a:endParaRPr lang="en-US" dirty="0"/>
+          </a:p>
+        </p:txBody>
+      </p:sp>
+      <p:sp>
+        <p:nvSpPr>
+          <p:cNvPr id="3" name="Text Placeholder 2"/>
+          <p:cNvSpPr>
+            <a:spLocks noGrp="1"/>
+          </p:cNvSpPr>
+          <p:nvPr>
+            <p:ph type="body" idx="1"/>
+          </p:nvPr>
+        </p:nvSpPr>
+        <p:spPr/>
+        <p:txBody>
+          <a:bodyPr/>
+          <a:lstStyle/>
+          <a:p>
+            <a:r>
+              <a:rPr lang="en-US" dirty="0" smtClean="0"/>
+              <a:t>Attribute allows binding on properties</a:t>
+            </a:r>
+          </a:p>
+          <a:p>
+            <a:r>
+              <a:rPr lang="en-US" dirty="0" smtClean="0"/>
+              <a:t>Even works with model objects</a:t>
+            </a:r>
+            <a:endParaRPr lang="en-US" dirty="0"/>
+          </a:p>
+        </p:txBody>
+      </p:sp>
+      <p:pic>
+        <p:nvPicPr>
+          <p:cNvPr id="4" name="Picture 3"/>
+          <p:cNvPicPr>
+            <a:picLocks noChangeAspect="1"/>
+          </p:cNvPicPr>
+          <p:nvPr/>
+        </p:nvPicPr>
+        <p:blipFill>
+          <a:blip r:embed="rId2"/>
+          <a:stretch>
+            <a:fillRect/>
+          </a:stretch>
+        </p:blipFill>
+        <p:spPr>
+          <a:xfrm>
+            <a:off x="1009650" y="2590800"/>
+            <a:ext cx="7124700" cy="3057525"/>
+          </a:xfrm>
+          <a:prstGeom prst="rect">
+            <a:avLst/>
+          </a:prstGeom>
+          <a:ln>
+            <a:noFill/>
+          </a:ln>
+          <a:effectLst>
+            <a:outerShdw blurRad="292100" dist="139700" dir="2700000" algn="tl" rotWithShape="0">
+              <a:srgbClr val="333333">
+                <a:alpha val="65000"/>
+              </a:srgbClr>
+            </a:outerShdw>
+          </a:effectLst>
+        </p:spPr>
+      </p:pic>
+    </p:spTree>
+    <p:extLst>
+      <p:ext uri="{BB962C8B-B14F-4D97-AF65-F5344CB8AC3E}">
+        <p14:creationId xmlns:p14="http://schemas.microsoft.com/office/powerpoint/2010/main" val="81381719"/>
+      </p:ext>
+    </p:extLst>
+  </p:cSld>
+  <p:clrMapOvr>
+    <a:masterClrMapping/>
+  </p:clrMapOvr>
+  <p:transition>
+    <p:fade/>
+  </p:transition>
+</p:sld>
+</file>
+
+<file path=ppt/slides/slide16.xml><?xml version="1.0" encoding="utf-8"?>
+<p:sld xmlns:a="http://schemas.openxmlformats.org/drawingml/2006/main" xmlns:r="http://schemas.openxmlformats.org/officeDocument/2006/relationships" xmlns:p="http://schemas.openxmlformats.org/presentationml/2006/main">
+  <p:cSld>
+    <p:spTree>
+      <p:nvGrpSpPr>
+        <p:cNvPr id="1" name=""/>
+        <p:cNvGrpSpPr/>
+        <p:nvPr/>
+      </p:nvGrpSpPr>
+      <p:grpSpPr>
+        <a:xfrm>
+          <a:off x="0" y="0"/>
+          <a:ext cx="0" cy="0"/>
+          <a:chOff x="0" y="0"/>
+          <a:chExt cx="0" cy="0"/>
+        </a:xfrm>
+      </p:grpSpPr>
+      <p:sp>
+        <p:nvSpPr>
+          <p:cNvPr id="2" name="Title 1"/>
+          <p:cNvSpPr>
+            <a:spLocks noGrp="1"/>
+          </p:cNvSpPr>
+          <p:nvPr>
+            <p:ph type="title"/>
+          </p:nvPr>
+        </p:nvSpPr>
+        <p:spPr/>
+        <p:txBody>
+          <a:bodyPr/>
+          <a:lstStyle/>
+          <a:p>
+            <a:r>
+              <a:rPr lang="en-US" dirty="0" smtClean="0"/>
+              <a:t>Summary</a:t>
+            </a:r>
+            <a:endParaRPr lang="en-US" dirty="0"/>
+          </a:p>
+        </p:txBody>
+      </p:sp>
+      <p:sp>
+        <p:nvSpPr>
+          <p:cNvPr id="3" name="Text Placeholder 2"/>
+          <p:cNvSpPr>
+            <a:spLocks noGrp="1"/>
+          </p:cNvSpPr>
+          <p:nvPr>
+            <p:ph type="body" idx="1"/>
+          </p:nvPr>
+        </p:nvSpPr>
+        <p:spPr/>
+        <p:txBody>
+          <a:bodyPr/>
+          <a:lstStyle/>
+          <a:p>
+            <a:endParaRPr lang="en-US"/>
+          </a:p>
+        </p:txBody>
+      </p:sp>
+      <p:sp>
+        <p:nvSpPr>
+          <p:cNvPr id="4" name="Oval 3"/>
+          <p:cNvSpPr/>
+          <p:nvPr/>
+        </p:nvSpPr>
+        <p:spPr bwMode="auto">
+          <a:xfrm>
+            <a:off x="3276600" y="1371600"/>
+            <a:ext cx="2209800" cy="1905000"/>
+          </a:xfrm>
+          <a:prstGeom prst="ellipse">
+            <a:avLst/>
+          </a:prstGeom>
+          <a:gradFill rotWithShape="1">
+            <a:gsLst>
+              <a:gs pos="0">
+                <a:srgbClr val="A4D289"/>
+              </a:gs>
+              <a:gs pos="100000">
+                <a:schemeClr val="bg1"/>
+              </a:gs>
+            </a:gsLst>
+            <a:lin ang="5400000" scaled="1"/>
+          </a:gradFill>
+          <a:ln w="9525" algn="ctr">
+            <a:solidFill>
+              <a:schemeClr val="tx1"/>
+            </a:solidFill>
+            <a:miter lim="800000"/>
+            <a:headEnd/>
+            <a:tailEnd/>
+          </a:ln>
+          <a:effectLst>
+            <a:outerShdw blurRad="50800" dist="38100" dir="2700000" algn="tl" rotWithShape="0">
+              <a:prstClr val="black">
+                <a:alpha val="40000"/>
+              </a:prstClr>
+            </a:outerShdw>
+          </a:effectLst>
+        </p:spPr>
+        <p:txBody>
+          <a:bodyPr wrap="none" rtlCol="0" anchor="ctr"/>
+          <a:lstStyle/>
+          <a:p>
+            <a:pPr algn="ctr"/>
+            <a:r>
+              <a:rPr lang="en-US" sz="2000" dirty="0" smtClean="0">
+                <a:latin typeface="Tekton Pro" pitchFamily="34" charset="0"/>
+              </a:rPr>
+              <a:t>Controller</a:t>
+            </a:r>
+            <a:endParaRPr lang="en-US" sz="2000" dirty="0">
+              <a:latin typeface="Tekton Pro" pitchFamily="34" charset="0"/>
+            </a:endParaRPr>
+          </a:p>
+        </p:txBody>
+      </p:sp>
+      <p:sp>
+        <p:nvSpPr>
+          <p:cNvPr id="5" name="Oval 4"/>
+          <p:cNvSpPr/>
+          <p:nvPr/>
+        </p:nvSpPr>
+        <p:spPr bwMode="auto">
+          <a:xfrm>
+            <a:off x="1219200" y="3657600"/>
+            <a:ext cx="2209800" cy="1905000"/>
+          </a:xfrm>
+          <a:prstGeom prst="ellipse">
+            <a:avLst/>
+          </a:prstGeom>
+          <a:gradFill rotWithShape="1">
+            <a:gsLst>
+              <a:gs pos="0">
+                <a:srgbClr val="A4D289"/>
+              </a:gs>
+              <a:gs pos="100000">
+                <a:schemeClr val="bg1"/>
+              </a:gs>
+            </a:gsLst>
+            <a:lin ang="5400000" scaled="1"/>
+          </a:gradFill>
+          <a:ln w="9525" algn="ctr">
+            <a:solidFill>
+              <a:schemeClr val="tx1"/>
+            </a:solidFill>
+            <a:miter lim="800000"/>
+            <a:headEnd/>
+            <a:tailEnd/>
+          </a:ln>
+          <a:effectLst>
+            <a:outerShdw blurRad="50800" dist="38100" dir="2700000" algn="tl" rotWithShape="0">
+              <a:prstClr val="black">
+                <a:alpha val="40000"/>
+              </a:prstClr>
+            </a:outerShdw>
+          </a:effectLst>
+        </p:spPr>
+        <p:txBody>
+          <a:bodyPr wrap="none" rtlCol="0" anchor="ctr"/>
+          <a:lstStyle/>
+          <a:p>
+            <a:pPr algn="ctr"/>
+            <a:r>
+              <a:rPr lang="en-US" sz="2000" dirty="0" smtClean="0">
+                <a:latin typeface="Tekton Pro" pitchFamily="34" charset="0"/>
+              </a:rPr>
+              <a:t>Model</a:t>
+            </a:r>
+            <a:endParaRPr lang="en-US" sz="2000" dirty="0">
+              <a:latin typeface="Tekton Pro" pitchFamily="34" charset="0"/>
+            </a:endParaRPr>
+          </a:p>
+        </p:txBody>
+      </p:sp>
+      <p:sp>
+        <p:nvSpPr>
+          <p:cNvPr id="6" name="Oval 5"/>
+          <p:cNvSpPr/>
+          <p:nvPr/>
+        </p:nvSpPr>
+        <p:spPr bwMode="auto">
+          <a:xfrm>
+            <a:off x="5486400" y="3581400"/>
+            <a:ext cx="2209800" cy="1905000"/>
+          </a:xfrm>
+          <a:prstGeom prst="ellipse">
+            <a:avLst/>
+          </a:prstGeom>
+          <a:gradFill rotWithShape="1">
+            <a:gsLst>
+              <a:gs pos="0">
+                <a:srgbClr val="A4D289"/>
+              </a:gs>
+              <a:gs pos="100000">
+                <a:schemeClr val="bg1"/>
+              </a:gs>
+            </a:gsLst>
+            <a:lin ang="5400000" scaled="1"/>
+          </a:gradFill>
+          <a:ln w="9525" algn="ctr">
+            <a:solidFill>
+              <a:schemeClr val="tx1"/>
+            </a:solidFill>
+            <a:miter lim="800000"/>
+            <a:headEnd/>
+            <a:tailEnd/>
+          </a:ln>
+          <a:effectLst>
+            <a:outerShdw blurRad="50800" dist="38100" dir="2700000" algn="tl" rotWithShape="0">
+              <a:prstClr val="black">
+                <a:alpha val="40000"/>
+              </a:prstClr>
+            </a:outerShdw>
+          </a:effectLst>
+        </p:spPr>
+        <p:txBody>
+          <a:bodyPr wrap="none" rtlCol="0" anchor="ctr"/>
+          <a:lstStyle/>
+          <a:p>
+            <a:pPr algn="ctr"/>
+            <a:r>
+              <a:rPr lang="en-US" sz="2000" dirty="0" smtClean="0">
+                <a:latin typeface="Tekton Pro" pitchFamily="34" charset="0"/>
+              </a:rPr>
+              <a:t>View</a:t>
+            </a:r>
+            <a:endParaRPr lang="en-US" sz="2000" dirty="0">
+              <a:latin typeface="Tekton Pro" pitchFamily="34" charset="0"/>
+            </a:endParaRPr>
+          </a:p>
+        </p:txBody>
+      </p:sp>
+      <p:sp>
+        <p:nvSpPr>
+          <p:cNvPr id="7" name="Down Arrow 6"/>
+          <p:cNvSpPr/>
+          <p:nvPr/>
+        </p:nvSpPr>
+        <p:spPr bwMode="auto">
+          <a:xfrm rot="19207364">
+            <a:off x="5265071" y="2850313"/>
+            <a:ext cx="685800" cy="990600"/>
+          </a:xfrm>
+          <a:prstGeom prst="downArrow">
+            <a:avLst/>
+          </a:prstGeom>
+          <a:gradFill rotWithShape="1">
+            <a:gsLst>
+              <a:gs pos="0">
+                <a:schemeClr val="accent2"/>
+              </a:gs>
+              <a:gs pos="100000">
+                <a:schemeClr val="bg1"/>
+              </a:gs>
+            </a:gsLst>
+            <a:lin ang="5400000" scaled="1"/>
+          </a:gradFill>
+          <a:ln w="9525" algn="ctr">
+            <a:solidFill>
+              <a:schemeClr val="tx1"/>
+            </a:solidFill>
+            <a:miter lim="800000"/>
+            <a:headEnd/>
+            <a:tailEnd/>
+          </a:ln>
+          <a:effectLst>
+            <a:outerShdw blurRad="50800" dist="38100" dir="2700000" algn="tl" rotWithShape="0">
+              <a:prstClr val="black">
+                <a:alpha val="40000"/>
+              </a:prstClr>
+            </a:outerShdw>
+          </a:effectLst>
+        </p:spPr>
+        <p:txBody>
+          <a:bodyPr wrap="none" rtlCol="0" anchor="ctr"/>
+          <a:lstStyle/>
+          <a:p>
+            <a:pPr algn="ctr"/>
+            <a:endParaRPr lang="en-US" sz="2000" dirty="0">
+              <a:latin typeface="Tekton Pro" pitchFamily="34" charset="0"/>
+            </a:endParaRPr>
+          </a:p>
+        </p:txBody>
+      </p:sp>
+      <p:sp>
+        <p:nvSpPr>
+          <p:cNvPr id="8" name="Down Arrow 7"/>
+          <p:cNvSpPr/>
+          <p:nvPr/>
+        </p:nvSpPr>
+        <p:spPr bwMode="auto">
+          <a:xfrm rot="2489159">
+            <a:off x="2832878" y="2846088"/>
+            <a:ext cx="685800" cy="990600"/>
+          </a:xfrm>
+          <a:prstGeom prst="downArrow">
+            <a:avLst/>
+          </a:prstGeom>
+          <a:gradFill rotWithShape="1">
+            <a:gsLst>
+              <a:gs pos="0">
+                <a:schemeClr val="accent2"/>
+              </a:gs>
+              <a:gs pos="100000">
+                <a:schemeClr val="bg1"/>
+              </a:gs>
+            </a:gsLst>
+            <a:lin ang="5400000" scaled="1"/>
+          </a:gradFill>
+          <a:ln w="9525" algn="ctr">
+            <a:solidFill>
+              <a:schemeClr val="tx1"/>
+            </a:solidFill>
+            <a:miter lim="800000"/>
+            <a:headEnd/>
+            <a:tailEnd/>
+          </a:ln>
+          <a:effectLst>
+            <a:outerShdw blurRad="50800" dist="38100" dir="2700000" algn="tl" rotWithShape="0">
+              <a:prstClr val="black">
+                <a:alpha val="40000"/>
+              </a:prstClr>
+            </a:outerShdw>
+          </a:effectLst>
+        </p:spPr>
+        <p:txBody>
+          <a:bodyPr wrap="none" rtlCol="0" anchor="ctr"/>
+          <a:lstStyle/>
+          <a:p>
+            <a:pPr algn="ctr"/>
+            <a:endParaRPr lang="en-US" sz="2000" dirty="0">
+              <a:latin typeface="Tekton Pro" pitchFamily="34" charset="0"/>
+            </a:endParaRPr>
+          </a:p>
+        </p:txBody>
+      </p:sp>
+      <p:sp>
+        <p:nvSpPr>
+          <p:cNvPr id="9" name="Down Arrow 8"/>
+          <p:cNvSpPr/>
+          <p:nvPr/>
+        </p:nvSpPr>
+        <p:spPr bwMode="auto">
+          <a:xfrm rot="5400000">
+            <a:off x="4076700" y="3771900"/>
+            <a:ext cx="685800" cy="1676400"/>
+          </a:xfrm>
+          <a:prstGeom prst="downArrow">
+            <a:avLst/>
+          </a:prstGeom>
+          <a:gradFill rotWithShape="1">
+            <a:gsLst>
+              <a:gs pos="0">
+                <a:schemeClr val="accent2"/>
+              </a:gs>
+              <a:gs pos="100000">
+                <a:schemeClr val="bg1"/>
+              </a:gs>
+            </a:gsLst>
+            <a:lin ang="5400000" scaled="1"/>
+          </a:gradFill>
+          <a:ln w="9525" algn="ctr">
+            <a:solidFill>
+              <a:schemeClr val="tx1"/>
+            </a:solidFill>
+            <a:miter lim="800000"/>
+            <a:headEnd/>
+            <a:tailEnd/>
+          </a:ln>
+          <a:effectLst>
+            <a:outerShdw blurRad="50800" dist="38100" dir="2700000" algn="tl" rotWithShape="0">
+              <a:prstClr val="black">
+                <a:alpha val="40000"/>
+              </a:prstClr>
+            </a:outerShdw>
+          </a:effectLst>
+        </p:spPr>
+        <p:txBody>
+          <a:bodyPr wrap="none" rtlCol="0" anchor="ctr"/>
+          <a:lstStyle/>
+          <a:p>
+            <a:pPr algn="ctr"/>
+            <a:endParaRPr lang="en-US" sz="2000" dirty="0">
+              <a:latin typeface="Tekton Pro" pitchFamily="34" charset="0"/>
+            </a:endParaRPr>
+          </a:p>
+        </p:txBody>
+      </p:sp>
+    </p:spTree>
+    <p:extLst>
+      <p:ext uri="{BB962C8B-B14F-4D97-AF65-F5344CB8AC3E}">
+        <p14:creationId xmlns:p14="http://schemas.microsoft.com/office/powerpoint/2010/main" val="28962042"/>
+      </p:ext>
+    </p:extLst>
+  </p:cSld>
+  <p:clrMapOvr>
+    <a:masterClrMapping/>
+  </p:clrMapOvr>
+  <p:transition>
+    <p:fade/>
+  </p:transition>
+</p:sld>
+</file>
+
+<file path=ppt/slides/slide2.xml><?xml version="1.0" encoding="utf-8"?>
+<p:sld xmlns:a="http://schemas.openxmlformats.org/drawingml/2006/main" xmlns:r="http://schemas.openxmlformats.org/officeDocument/2006/relationships" xmlns:p="http://schemas.openxmlformats.org/presentationml/2006/main">
+  <p:cSld>
+    <p:spTree>
+      <p:nvGrpSpPr>
+        <p:cNvPr id="1" name=""/>
+        <p:cNvGrpSpPr/>
+        <p:nvPr/>
+      </p:nvGrpSpPr>
+      <p:grpSpPr>
+        <a:xfrm>
+          <a:off x="0" y="0"/>
+          <a:ext cx="0" cy="0"/>
+          <a:chOff x="0" y="0"/>
+          <a:chExt cx="0" cy="0"/>
+        </a:xfrm>
+      </p:grpSpPr>
+      <p:sp>
+        <p:nvSpPr>
+          <p:cNvPr id="2" name="Title 1"/>
+          <p:cNvSpPr>
+            <a:spLocks noGrp="1"/>
+          </p:cNvSpPr>
+          <p:nvPr>
+            <p:ph type="title"/>
+          </p:nvPr>
+        </p:nvSpPr>
+        <p:spPr/>
+        <p:txBody>
+          <a:bodyPr/>
+          <a:lstStyle/>
+          <a:p>
+            <a:r>
+              <a:rPr lang="en-US" dirty="0" smtClean="0"/>
+              <a:t>MVC – The Pattern</a:t>
+            </a:r>
+            <a:endParaRPr lang="en-US" dirty="0"/>
+          </a:p>
+        </p:txBody>
+      </p:sp>
+      <p:sp>
+        <p:nvSpPr>
+          <p:cNvPr id="7" name="Oval 6"/>
+          <p:cNvSpPr/>
+          <p:nvPr/>
+        </p:nvSpPr>
+        <p:spPr bwMode="auto">
+          <a:xfrm>
+            <a:off x="3276600" y="1371600"/>
+            <a:ext cx="2209800" cy="1905000"/>
+          </a:xfrm>
+          <a:prstGeom prst="ellipse">
+            <a:avLst/>
+          </a:prstGeom>
+          <a:gradFill rotWithShape="1">
+            <a:gsLst>
+              <a:gs pos="0">
+                <a:srgbClr val="A4D289"/>
+              </a:gs>
+              <a:gs pos="100000">
+                <a:schemeClr val="bg1"/>
+              </a:gs>
+            </a:gsLst>
+            <a:lin ang="5400000" scaled="1"/>
+          </a:gradFill>
+          <a:ln w="9525" algn="ctr">
+            <a:solidFill>
+              <a:schemeClr val="tx1"/>
+            </a:solidFill>
+            <a:miter lim="800000"/>
+            <a:headEnd/>
+            <a:tailEnd/>
+          </a:ln>
+          <a:effectLst>
+            <a:outerShdw blurRad="50800" dist="38100" dir="2700000" algn="tl" rotWithShape="0">
+              <a:prstClr val="black">
+                <a:alpha val="40000"/>
+              </a:prstClr>
+            </a:outerShdw>
+          </a:effectLst>
+        </p:spPr>
+        <p:txBody>
+          <a:bodyPr wrap="none" rtlCol="0" anchor="ctr"/>
+          <a:lstStyle/>
+          <a:p>
+            <a:pPr algn="ctr"/>
+            <a:r>
+              <a:rPr lang="en-US" sz="2000" dirty="0" smtClean="0">
+                <a:latin typeface="Tekton Pro" pitchFamily="34" charset="0"/>
+              </a:rPr>
+              <a:t>Controller</a:t>
+            </a:r>
+            <a:endParaRPr lang="en-US" sz="2000" dirty="0">
+              <a:latin typeface="Tekton Pro" pitchFamily="34" charset="0"/>
+            </a:endParaRPr>
+          </a:p>
+        </p:txBody>
+      </p:sp>
+      <p:sp>
+        <p:nvSpPr>
+          <p:cNvPr id="8" name="Oval 7"/>
+          <p:cNvSpPr/>
+          <p:nvPr/>
+        </p:nvSpPr>
+        <p:spPr bwMode="auto">
+          <a:xfrm>
+            <a:off x="1219200" y="3657600"/>
+            <a:ext cx="2209800" cy="1905000"/>
+          </a:xfrm>
+          <a:prstGeom prst="ellipse">
+            <a:avLst/>
+          </a:prstGeom>
+          <a:gradFill rotWithShape="1">
+            <a:gsLst>
+              <a:gs pos="0">
+                <a:srgbClr val="A4D289"/>
+              </a:gs>
+              <a:gs pos="100000">
+                <a:schemeClr val="bg1"/>
+              </a:gs>
+            </a:gsLst>
+            <a:lin ang="5400000" scaled="1"/>
+          </a:gradFill>
+          <a:ln w="9525" algn="ctr">
+            <a:solidFill>
+              <a:schemeClr val="tx1"/>
+            </a:solidFill>
+            <a:miter lim="800000"/>
+            <a:headEnd/>
+            <a:tailEnd/>
+          </a:ln>
+          <a:effectLst>
+            <a:outerShdw blurRad="50800" dist="38100" dir="2700000" algn="tl" rotWithShape="0">
+              <a:prstClr val="black">
+                <a:alpha val="40000"/>
+              </a:prstClr>
+            </a:outerShdw>
+          </a:effectLst>
+        </p:spPr>
+        <p:txBody>
+          <a:bodyPr wrap="none" rtlCol="0" anchor="ctr"/>
+          <a:lstStyle/>
+          <a:p>
+            <a:pPr algn="ctr"/>
+            <a:r>
+              <a:rPr lang="en-US" sz="2000" dirty="0" smtClean="0">
+                <a:latin typeface="Tekton Pro" pitchFamily="34" charset="0"/>
+              </a:rPr>
+              <a:t>Model</a:t>
+            </a:r>
+            <a:endParaRPr lang="en-US" sz="2000" dirty="0">
+              <a:latin typeface="Tekton Pro" pitchFamily="34" charset="0"/>
+            </a:endParaRPr>
+          </a:p>
+        </p:txBody>
+      </p:sp>
+      <p:sp>
+        <p:nvSpPr>
+          <p:cNvPr id="9" name="Oval 8"/>
+          <p:cNvSpPr/>
+          <p:nvPr/>
+        </p:nvSpPr>
+        <p:spPr bwMode="auto">
+          <a:xfrm>
+            <a:off x="5486400" y="3581400"/>
+            <a:ext cx="2209800" cy="1905000"/>
+          </a:xfrm>
+          <a:prstGeom prst="ellipse">
+            <a:avLst/>
+          </a:prstGeom>
+          <a:gradFill rotWithShape="1">
+            <a:gsLst>
+              <a:gs pos="0">
+                <a:srgbClr val="A4D289"/>
+              </a:gs>
+              <a:gs pos="100000">
+                <a:schemeClr val="bg1"/>
+              </a:gs>
+            </a:gsLst>
+            <a:lin ang="5400000" scaled="1"/>
+          </a:gradFill>
+          <a:ln w="9525" algn="ctr">
+            <a:solidFill>
+              <a:schemeClr val="tx1"/>
+            </a:solidFill>
+            <a:miter lim="800000"/>
+            <a:headEnd/>
+            <a:tailEnd/>
+          </a:ln>
+          <a:effectLst>
+            <a:outerShdw blurRad="50800" dist="38100" dir="2700000" algn="tl" rotWithShape="0">
+              <a:prstClr val="black">
+                <a:alpha val="40000"/>
+              </a:prstClr>
+            </a:outerShdw>
+          </a:effectLst>
+        </p:spPr>
+        <p:txBody>
+          <a:bodyPr wrap="none" rtlCol="0" anchor="ctr"/>
+          <a:lstStyle/>
+          <a:p>
+            <a:pPr algn="ctr"/>
+            <a:r>
+              <a:rPr lang="en-US" sz="2000" dirty="0" smtClean="0">
+                <a:latin typeface="Tekton Pro" pitchFamily="34" charset="0"/>
+              </a:rPr>
+              <a:t>View</a:t>
+            </a:r>
+            <a:endParaRPr lang="en-US" sz="2000" dirty="0">
+              <a:latin typeface="Tekton Pro" pitchFamily="34" charset="0"/>
+            </a:endParaRPr>
+          </a:p>
+        </p:txBody>
+      </p:sp>
+      <p:sp>
+        <p:nvSpPr>
+          <p:cNvPr id="10" name="Down Arrow 9"/>
+          <p:cNvSpPr/>
+          <p:nvPr/>
+        </p:nvSpPr>
+        <p:spPr bwMode="auto">
+          <a:xfrm rot="19207364">
+            <a:off x="5265071" y="2850313"/>
+            <a:ext cx="685800" cy="990600"/>
+          </a:xfrm>
+          <a:prstGeom prst="downArrow">
+            <a:avLst/>
+          </a:prstGeom>
+          <a:gradFill rotWithShape="1">
+            <a:gsLst>
+              <a:gs pos="0">
+                <a:schemeClr val="accent2"/>
+              </a:gs>
+              <a:gs pos="100000">
+                <a:schemeClr val="bg1"/>
+              </a:gs>
+            </a:gsLst>
+            <a:lin ang="5400000" scaled="1"/>
+          </a:gradFill>
+          <a:ln w="9525" algn="ctr">
+            <a:solidFill>
+              <a:schemeClr val="tx1"/>
+            </a:solidFill>
+            <a:miter lim="800000"/>
+            <a:headEnd/>
+            <a:tailEnd/>
+          </a:ln>
+          <a:effectLst>
+            <a:outerShdw blurRad="50800" dist="38100" dir="2700000" algn="tl" rotWithShape="0">
+              <a:prstClr val="black">
+                <a:alpha val="40000"/>
+              </a:prstClr>
+            </a:outerShdw>
+          </a:effectLst>
+        </p:spPr>
+        <p:txBody>
+          <a:bodyPr wrap="none" rtlCol="0" anchor="ctr"/>
+          <a:lstStyle/>
+          <a:p>
+            <a:pPr algn="ctr"/>
+            <a:endParaRPr lang="en-US" sz="2000" dirty="0">
+              <a:latin typeface="Tekton Pro" pitchFamily="34" charset="0"/>
+            </a:endParaRPr>
+          </a:p>
+        </p:txBody>
+      </p:sp>
+      <p:sp>
+        <p:nvSpPr>
+          <p:cNvPr id="11" name="Down Arrow 10"/>
+          <p:cNvSpPr/>
+          <p:nvPr/>
+        </p:nvSpPr>
+        <p:spPr bwMode="auto">
+          <a:xfrm rot="2489159">
+            <a:off x="2832878" y="2846088"/>
+            <a:ext cx="685800" cy="990600"/>
+          </a:xfrm>
+          <a:prstGeom prst="downArrow">
+            <a:avLst/>
+          </a:prstGeom>
+          <a:gradFill rotWithShape="1">
+            <a:gsLst>
+              <a:gs pos="0">
+                <a:schemeClr val="accent2"/>
+              </a:gs>
+              <a:gs pos="100000">
+                <a:schemeClr val="bg1"/>
+              </a:gs>
+            </a:gsLst>
+            <a:lin ang="5400000" scaled="1"/>
+          </a:gradFill>
+          <a:ln w="9525" algn="ctr">
+            <a:solidFill>
+              <a:schemeClr val="tx1"/>
+            </a:solidFill>
+            <a:miter lim="800000"/>
+            <a:headEnd/>
+            <a:tailEnd/>
+          </a:ln>
+          <a:effectLst>
+            <a:outerShdw blurRad="50800" dist="38100" dir="2700000" algn="tl" rotWithShape="0">
+              <a:prstClr val="black">
+                <a:alpha val="40000"/>
+              </a:prstClr>
+            </a:outerShdw>
+          </a:effectLst>
+        </p:spPr>
+        <p:txBody>
+          <a:bodyPr wrap="none" rtlCol="0" anchor="ctr"/>
+          <a:lstStyle/>
+          <a:p>
+            <a:pPr algn="ctr"/>
+            <a:endParaRPr lang="en-US" sz="2000" dirty="0">
+              <a:latin typeface="Tekton Pro" pitchFamily="34" charset="0"/>
+            </a:endParaRPr>
+          </a:p>
+        </p:txBody>
+      </p:sp>
+      <p:sp>
+        <p:nvSpPr>
+          <p:cNvPr id="12" name="Down Arrow 11"/>
+          <p:cNvSpPr/>
+          <p:nvPr/>
+        </p:nvSpPr>
+        <p:spPr bwMode="auto">
+          <a:xfrm rot="5400000">
+            <a:off x="4076700" y="3771900"/>
+            <a:ext cx="685800" cy="1676400"/>
+          </a:xfrm>
+          <a:prstGeom prst="downArrow">
+            <a:avLst/>
+          </a:prstGeom>
+          <a:gradFill rotWithShape="1">
+            <a:gsLst>
+              <a:gs pos="0">
+                <a:schemeClr val="accent2"/>
+              </a:gs>
+              <a:gs pos="100000">
+                <a:schemeClr val="bg1"/>
+              </a:gs>
+            </a:gsLst>
+            <a:lin ang="5400000" scaled="1"/>
+          </a:gradFill>
+          <a:ln w="9525" algn="ctr">
+            <a:solidFill>
+              <a:schemeClr val="tx1"/>
+            </a:solidFill>
+            <a:miter lim="800000"/>
+            <a:headEnd/>
+            <a:tailEnd/>
+          </a:ln>
+          <a:effectLst>
+            <a:outerShdw blurRad="50800" dist="38100" dir="2700000" algn="tl" rotWithShape="0">
+              <a:prstClr val="black">
+                <a:alpha val="40000"/>
+              </a:prstClr>
+            </a:outerShdw>
+          </a:effectLst>
+        </p:spPr>
+        <p:txBody>
+          <a:bodyPr wrap="none" rtlCol="0" anchor="ctr"/>
+          <a:lstStyle/>
+          <a:p>
+            <a:pPr algn="ctr"/>
+            <a:endParaRPr lang="en-US" sz="2000" dirty="0">
+              <a:latin typeface="Tekton Pro" pitchFamily="34" charset="0"/>
+            </a:endParaRPr>
+          </a:p>
+        </p:txBody>
+      </p:sp>
+    </p:spTree>
+    <p:extLst>
+      <p:ext uri="{BB962C8B-B14F-4D97-AF65-F5344CB8AC3E}">
+        <p14:creationId xmlns:p14="http://schemas.microsoft.com/office/powerpoint/2010/main" val="248041086"/>
+      </p:ext>
+    </p:extLst>
+  </p:cSld>
+  <p:clrMapOvr>
+    <a:masterClrMapping/>
+  </p:clrMapOvr>
+  <p:transition>
+    <p:fade/>
+  </p:transition>
+  <p:timing>
+    <p:tnLst>
+      <p:par>
+        <p:cTn id="1" dur="indefinite" restart="never" nodeType="tmRoot"/>
+      </p:par>
+    </p:tnLst>
+  </p:timing>
+</p:sld>
+</file>
+
+<file path=ppt/slides/slide3.xml><?xml version="1.0" encoding="utf-8"?>
+<p:sld xmlns:a="http://schemas.openxmlformats.org/drawingml/2006/main" xmlns:r="http://schemas.openxmlformats.org/officeDocument/2006/relationships" xmlns:p="http://schemas.openxmlformats.org/presentationml/2006/main">
+  <p:cSld>
+    <p:spTree>
+      <p:nvGrpSpPr>
+        <p:cNvPr id="1" name=""/>
+        <p:cNvGrpSpPr/>
+        <p:nvPr/>
+      </p:nvGrpSpPr>
+      <p:grpSpPr>
+        <a:xfrm>
+          <a:off x="0" y="0"/>
+          <a:ext cx="0" cy="0"/>
+          <a:chOff x="0" y="0"/>
+          <a:chExt cx="0" cy="0"/>
+        </a:xfrm>
+      </p:grpSpPr>
+      <p:sp>
+        <p:nvSpPr>
+          <p:cNvPr id="2" name="Title 1"/>
+          <p:cNvSpPr>
+            <a:spLocks noGrp="1"/>
+          </p:cNvSpPr>
+          <p:nvPr>
+            <p:ph type="title"/>
+          </p:nvPr>
+        </p:nvSpPr>
+        <p:spPr/>
+        <p:txBody>
+          <a:bodyPr/>
+          <a:lstStyle/>
+          <a:p>
+            <a:r>
+              <a:rPr lang="en-US" dirty="0" smtClean="0"/>
+              <a:t>Setup</a:t>
+            </a:r>
+            <a:endParaRPr lang="en-US" dirty="0"/>
+          </a:p>
+        </p:txBody>
+      </p:sp>
+      <p:sp>
+        <p:nvSpPr>
+          <p:cNvPr id="3" name="Text Placeholder 2"/>
+          <p:cNvSpPr>
+            <a:spLocks noGrp="1"/>
+          </p:cNvSpPr>
+          <p:nvPr>
+            <p:ph type="body" idx="1"/>
+          </p:nvPr>
+        </p:nvSpPr>
+        <p:spPr/>
+        <p:txBody>
+          <a:bodyPr/>
+          <a:lstStyle/>
+          <a:p>
+            <a:r>
+              <a:rPr lang="en-US" dirty="0" smtClean="0"/>
+              <a:t>Package </a:t>
+            </a:r>
+            <a:r>
+              <a:rPr lang="en-US" dirty="0" err="1" smtClean="0"/>
+              <a:t>Microsoft.AspNet.Mvc</a:t>
+            </a:r>
             <a:endParaRPr lang="en-US" dirty="0" smtClean="0"/>
           </a:p>
-        </p:txBody>
-      </p:sp>
+          <a:p>
+            <a:r>
+              <a:rPr lang="en-US" dirty="0" smtClean="0"/>
+              <a:t>Add the MVC services</a:t>
+            </a:r>
+          </a:p>
+          <a:p>
+            <a:r>
+              <a:rPr lang="en-US" dirty="0" smtClean="0"/>
+              <a:t>Use the MVC middleware</a:t>
+            </a:r>
+            <a:endParaRPr lang="en-US" dirty="0"/>
+          </a:p>
+        </p:txBody>
+      </p:sp>
+      <p:pic>
+        <p:nvPicPr>
+          <p:cNvPr id="4" name="Picture 3"/>
+          <p:cNvPicPr>
+            <a:picLocks noChangeAspect="1"/>
+          </p:cNvPicPr>
+          <p:nvPr/>
+        </p:nvPicPr>
+        <p:blipFill>
+          <a:blip r:embed="rId2"/>
+          <a:stretch>
+            <a:fillRect/>
+          </a:stretch>
+        </p:blipFill>
+        <p:spPr>
+          <a:xfrm>
+            <a:off x="1219200" y="2990555"/>
+            <a:ext cx="6791325" cy="2981325"/>
+          </a:xfrm>
+          <a:prstGeom prst="rect">
+            <a:avLst/>
+          </a:prstGeom>
+          <a:solidFill>
+            <a:schemeClr val="accent1"/>
+          </a:solidFill>
+          <a:ln>
+            <a:noFill/>
+          </a:ln>
+          <a:effectLst>
+            <a:outerShdw blurRad="292100" dist="139700" dir="2700000" algn="tl" rotWithShape="0">
+              <a:srgbClr val="333333">
+                <a:alpha val="65000"/>
+              </a:srgbClr>
+            </a:outerShdw>
+          </a:effectLst>
+        </p:spPr>
+      </p:pic>
     </p:spTree>
+    <p:extLst>
+      <p:ext uri="{BB962C8B-B14F-4D97-AF65-F5344CB8AC3E}">
+        <p14:creationId xmlns:p14="http://schemas.microsoft.com/office/powerpoint/2010/main" val="1774421249"/>
+      </p:ext>
+    </p:extLst>
+  </p:cSld>
+  <p:clrMapOvr>
+    <a:masterClrMapping/>
+  </p:clrMapOvr>
+  <p:transition>
+    <p:fade/>
+  </p:transition>
+  <p:timing>
+    <p:tnLst>
+      <p:par>
+        <p:cTn id="1" dur="indefinite" restart="never" nodeType="tmRoot"/>
+      </p:par>
+    </p:tnLst>
+  </p:timing>
+</p:sld>
+</file>
+
+<file path=ppt/slides/slide4.xml><?xml version="1.0" encoding="utf-8"?>
+<p:sld xmlns:a="http://schemas.openxmlformats.org/drawingml/2006/main" xmlns:r="http://schemas.openxmlformats.org/officeDocument/2006/relationships" xmlns:p="http://schemas.openxmlformats.org/presentationml/2006/main">
+  <p:cSld>
+    <p:spTree>
+      <p:nvGrpSpPr>
+        <p:cNvPr id="1" name=""/>
+        <p:cNvGrpSpPr/>
+        <p:nvPr/>
+      </p:nvGrpSpPr>
+      <p:grpSpPr>
+        <a:xfrm>
+          <a:off x="0" y="0"/>
+          <a:ext cx="0" cy="0"/>
+          <a:chOff x="0" y="0"/>
+          <a:chExt cx="0" cy="0"/>
+        </a:xfrm>
+      </p:grpSpPr>
+      <p:sp>
+        <p:nvSpPr>
+          <p:cNvPr id="2" name="Title 1"/>
+          <p:cNvSpPr>
+            <a:spLocks noGrp="1"/>
+          </p:cNvSpPr>
+          <p:nvPr>
+            <p:ph type="title"/>
+          </p:nvPr>
+        </p:nvSpPr>
+        <p:spPr/>
+        <p:txBody>
+          <a:bodyPr/>
+          <a:lstStyle/>
+          <a:p>
+            <a:r>
+              <a:rPr lang="en-US" dirty="0" smtClean="0"/>
+              <a:t>Controllers</a:t>
+            </a:r>
+            <a:endParaRPr lang="en-US" dirty="0"/>
+          </a:p>
+        </p:txBody>
+      </p:sp>
+      <p:sp>
+        <p:nvSpPr>
+          <p:cNvPr id="3" name="Text Placeholder 2"/>
+          <p:cNvSpPr>
+            <a:spLocks noGrp="1"/>
+          </p:cNvSpPr>
+          <p:nvPr>
+            <p:ph type="body" idx="1"/>
+          </p:nvPr>
+        </p:nvSpPr>
+        <p:spPr/>
+        <p:txBody>
+          <a:bodyPr/>
+          <a:lstStyle/>
+          <a:p>
+            <a:r>
+              <a:rPr lang="en-US" dirty="0" smtClean="0"/>
+              <a:t>Can be POCOs with a Controller name suffix</a:t>
+            </a:r>
+          </a:p>
+          <a:p>
+            <a:r>
+              <a:rPr lang="en-US" dirty="0" smtClean="0"/>
+              <a:t>Or, derive from Controller base class</a:t>
+            </a:r>
+          </a:p>
+          <a:p>
+            <a:r>
+              <a:rPr lang="en-US" dirty="0" smtClean="0"/>
+              <a:t>Public methods are actions</a:t>
+            </a:r>
+            <a:endParaRPr lang="en-US" dirty="0"/>
+          </a:p>
+        </p:txBody>
+      </p:sp>
+      <p:pic>
+        <p:nvPicPr>
+          <p:cNvPr id="4" name="Picture 3"/>
+          <p:cNvPicPr>
+            <a:picLocks noChangeAspect="1"/>
+          </p:cNvPicPr>
+          <p:nvPr/>
+        </p:nvPicPr>
+        <p:blipFill>
+          <a:blip r:embed="rId3"/>
+          <a:stretch>
+            <a:fillRect/>
+          </a:stretch>
+        </p:blipFill>
+        <p:spPr>
+          <a:xfrm>
+            <a:off x="2200275" y="3276600"/>
+            <a:ext cx="4743450" cy="1971675"/>
+          </a:xfrm>
+          <a:prstGeom prst="rect">
+            <a:avLst/>
+          </a:prstGeom>
+          <a:ln>
+            <a:noFill/>
+          </a:ln>
+          <a:effectLst>
+            <a:outerShdw blurRad="292100" dist="139700" dir="2700000" algn="tl" rotWithShape="0">
+              <a:srgbClr val="333333">
+                <a:alpha val="65000"/>
+              </a:srgbClr>
+            </a:outerShdw>
+          </a:effectLst>
+        </p:spPr>
+      </p:pic>
+    </p:spTree>
+    <p:extLst>
+      <p:ext uri="{BB962C8B-B14F-4D97-AF65-F5344CB8AC3E}">
+        <p14:creationId xmlns:p14="http://schemas.microsoft.com/office/powerpoint/2010/main" val="1689683415"/>
+      </p:ext>
+    </p:extLst>
+  </p:cSld>
+  <p:clrMapOvr>
+    <a:masterClrMapping/>
+  </p:clrMapOvr>
+  <p:transition>
+    <p:fade/>
+  </p:transition>
+  <p:timing>
+    <p:tnLst>
+      <p:par>
+        <p:cTn id="1" dur="indefinite" restart="never" nodeType="tmRoot"/>
+      </p:par>
+    </p:tnLst>
+  </p:timing>
+</p:sld>
+</file>
+
+<file path=ppt/slides/slide5.xml><?xml version="1.0" encoding="utf-8"?>
+<p:sld xmlns:a="http://schemas.openxmlformats.org/drawingml/2006/main" xmlns:r="http://schemas.openxmlformats.org/officeDocument/2006/relationships" xmlns:p="http://schemas.openxmlformats.org/presentationml/2006/main">
+  <p:cSld>
+    <p:spTree>
+      <p:nvGrpSpPr>
+        <p:cNvPr id="1" name=""/>
+        <p:cNvGrpSpPr/>
+        <p:nvPr/>
+      </p:nvGrpSpPr>
+      <p:grpSpPr>
+        <a:xfrm>
+          <a:off x="0" y="0"/>
+          <a:ext cx="0" cy="0"/>
+          <a:chOff x="0" y="0"/>
+          <a:chExt cx="0" cy="0"/>
+        </a:xfrm>
+      </p:grpSpPr>
+      <p:sp>
+        <p:nvSpPr>
+          <p:cNvPr id="2" name="Title 1"/>
+          <p:cNvSpPr>
+            <a:spLocks noGrp="1"/>
+          </p:cNvSpPr>
+          <p:nvPr>
+            <p:ph type="title"/>
+          </p:nvPr>
+        </p:nvSpPr>
+        <p:spPr/>
+        <p:txBody>
+          <a:bodyPr/>
+          <a:lstStyle/>
+          <a:p>
+            <a:r>
+              <a:rPr lang="en-US" dirty="0" smtClean="0"/>
+              <a:t>Routing with </a:t>
+            </a:r>
+            <a:r>
+              <a:rPr lang="en-US" dirty="0" err="1" smtClean="0"/>
+              <a:t>MapRoute</a:t>
+            </a:r>
+            <a:endParaRPr lang="en-US" dirty="0"/>
+          </a:p>
+        </p:txBody>
+      </p:sp>
+      <p:sp>
+        <p:nvSpPr>
+          <p:cNvPr id="3" name="Text Placeholder 2"/>
+          <p:cNvSpPr>
+            <a:spLocks noGrp="1"/>
+          </p:cNvSpPr>
+          <p:nvPr>
+            <p:ph type="body" idx="1"/>
+          </p:nvPr>
+        </p:nvSpPr>
+        <p:spPr/>
+        <p:txBody>
+          <a:bodyPr/>
+          <a:lstStyle/>
+          <a:p>
+            <a:r>
+              <a:rPr lang="en-US" dirty="0" smtClean="0"/>
+              <a:t>Supports defaults and catch-all parameters</a:t>
+            </a:r>
+            <a:endParaRPr lang="en-US" dirty="0"/>
+          </a:p>
+        </p:txBody>
+      </p:sp>
+      <p:pic>
+        <p:nvPicPr>
+          <p:cNvPr id="4" name="Picture 3"/>
+          <p:cNvPicPr>
+            <a:picLocks noChangeAspect="1"/>
+          </p:cNvPicPr>
+          <p:nvPr/>
+        </p:nvPicPr>
+        <p:blipFill>
+          <a:blip r:embed="rId2"/>
+          <a:stretch>
+            <a:fillRect/>
+          </a:stretch>
+        </p:blipFill>
+        <p:spPr>
+          <a:xfrm>
+            <a:off x="1543050" y="2405062"/>
+            <a:ext cx="6057900" cy="2047875"/>
+          </a:xfrm>
+          <a:prstGeom prst="rect">
+            <a:avLst/>
+          </a:prstGeom>
+          <a:ln>
+            <a:noFill/>
+          </a:ln>
+          <a:effectLst>
+            <a:outerShdw blurRad="292100" dist="139700" dir="2700000" algn="tl" rotWithShape="0">
+              <a:srgbClr val="333333">
+                <a:alpha val="65000"/>
+              </a:srgbClr>
+            </a:outerShdw>
+          </a:effectLst>
+        </p:spPr>
+      </p:pic>
+    </p:spTree>
+    <p:extLst>
+      <p:ext uri="{BB962C8B-B14F-4D97-AF65-F5344CB8AC3E}">
+        <p14:creationId xmlns:p14="http://schemas.microsoft.com/office/powerpoint/2010/main" val="1326386131"/>
+      </p:ext>
+    </p:extLst>
+  </p:cSld>
+  <p:clrMapOvr>
+    <a:masterClrMapping/>
+  </p:clrMapOvr>
+  <p:transition>
+    <p:fade/>
+  </p:transition>
+  <p:timing>
+    <p:tnLst>
+      <p:par>
+        <p:cTn id="1" dur="indefinite" restart="never" nodeType="tmRoot"/>
+      </p:par>
+    </p:tnLst>
+  </p:timing>
+</p:sld>
+</file>
+
+<file path=ppt/slides/slide6.xml><?xml version="1.0" encoding="utf-8"?>
+<p:sld xmlns:a="http://schemas.openxmlformats.org/drawingml/2006/main" xmlns:r="http://schemas.openxmlformats.org/officeDocument/2006/relationships" xmlns:p="http://schemas.openxmlformats.org/presentationml/2006/main">
+  <p:cSld>
+    <p:spTree>
+      <p:nvGrpSpPr>
+        <p:cNvPr id="1" name=""/>
+        <p:cNvGrpSpPr/>
+        <p:nvPr/>
+      </p:nvGrpSpPr>
+      <p:grpSpPr>
+        <a:xfrm>
+          <a:off x="0" y="0"/>
+          <a:ext cx="0" cy="0"/>
+          <a:chOff x="0" y="0"/>
+          <a:chExt cx="0" cy="0"/>
+        </a:xfrm>
+      </p:grpSpPr>
+      <p:sp>
+        <p:nvSpPr>
+          <p:cNvPr id="2" name="Title 1"/>
+          <p:cNvSpPr>
+            <a:spLocks noGrp="1"/>
+          </p:cNvSpPr>
+          <p:nvPr>
+            <p:ph type="title"/>
+          </p:nvPr>
+        </p:nvSpPr>
+        <p:spPr/>
+        <p:txBody>
+          <a:bodyPr/>
+          <a:lstStyle/>
+          <a:p>
+            <a:r>
+              <a:rPr lang="en-US" dirty="0" smtClean="0"/>
+              <a:t>Routing with Attributes</a:t>
+            </a:r>
+            <a:endParaRPr lang="en-US" dirty="0"/>
+          </a:p>
+        </p:txBody>
+      </p:sp>
+      <p:sp>
+        <p:nvSpPr>
+          <p:cNvPr id="3" name="Text Placeholder 2"/>
+          <p:cNvSpPr>
+            <a:spLocks noGrp="1"/>
+          </p:cNvSpPr>
+          <p:nvPr>
+            <p:ph type="body" idx="1"/>
+          </p:nvPr>
+        </p:nvSpPr>
+        <p:spPr/>
+        <p:txBody>
+          <a:bodyPr/>
+          <a:lstStyle/>
+          <a:p>
+            <a:r>
+              <a:rPr lang="en-US" dirty="0" smtClean="0"/>
+              <a:t>Sets routing rules inline with a controller</a:t>
+            </a:r>
+          </a:p>
+          <a:p>
+            <a:r>
+              <a:rPr lang="en-US" dirty="0" smtClean="0"/>
+              <a:t>Use [controller] and [action] tokens</a:t>
+            </a:r>
+            <a:endParaRPr lang="en-US" dirty="0"/>
+          </a:p>
+        </p:txBody>
+      </p:sp>
+      <p:pic>
+        <p:nvPicPr>
+          <p:cNvPr id="4" name="Picture 3"/>
+          <p:cNvPicPr>
+            <a:picLocks noChangeAspect="1"/>
+          </p:cNvPicPr>
+          <p:nvPr/>
+        </p:nvPicPr>
+        <p:blipFill>
+          <a:blip r:embed="rId2"/>
+          <a:stretch>
+            <a:fillRect/>
+          </a:stretch>
+        </p:blipFill>
+        <p:spPr>
+          <a:xfrm>
+            <a:off x="1905000" y="3276600"/>
+            <a:ext cx="4981575" cy="2314575"/>
+          </a:xfrm>
+          <a:prstGeom prst="rect">
+            <a:avLst/>
+          </a:prstGeom>
+        </p:spPr>
+      </p:pic>
+    </p:spTree>
+    <p:extLst>
+      <p:ext uri="{BB962C8B-B14F-4D97-AF65-F5344CB8AC3E}">
+        <p14:creationId xmlns:p14="http://schemas.microsoft.com/office/powerpoint/2010/main" val="258943609"/>
+      </p:ext>
+    </p:extLst>
+  </p:cSld>
+  <p:clrMapOvr>
+    <a:masterClrMapping/>
+  </p:clrMapOvr>
+  <p:transition>
+    <p:fade/>
+  </p:transition>
+  <p:timing>
+    <p:tnLst>
+      <p:par>
+        <p:cTn id="1" dur="indefinite" restart="never" nodeType="tmRoot"/>
+      </p:par>
+    </p:tnLst>
+  </p:timing>
+</p:sld>
+</file>
+
+<file path=ppt/slides/slide7.xml><?xml version="1.0" encoding="utf-8"?>
+<p:sld xmlns:a="http://schemas.openxmlformats.org/drawingml/2006/main" xmlns:r="http://schemas.openxmlformats.org/officeDocument/2006/relationships" xmlns:p="http://schemas.openxmlformats.org/presentationml/2006/main">
+  <p:cSld>
+    <p:spTree>
+      <p:nvGrpSpPr>
+        <p:cNvPr id="1" name=""/>
+        <p:cNvGrpSpPr/>
+        <p:nvPr/>
+      </p:nvGrpSpPr>
+      <p:grpSpPr>
+        <a:xfrm>
+          <a:off x="0" y="0"/>
+          <a:ext cx="0" cy="0"/>
+          <a:chOff x="0" y="0"/>
+          <a:chExt cx="0" cy="0"/>
+        </a:xfrm>
+      </p:grpSpPr>
+      <p:sp>
+        <p:nvSpPr>
+          <p:cNvPr id="2" name="Title 1"/>
+          <p:cNvSpPr>
+            <a:spLocks noGrp="1"/>
+          </p:cNvSpPr>
+          <p:nvPr>
+            <p:ph type="title"/>
+          </p:nvPr>
+        </p:nvSpPr>
+        <p:spPr/>
+        <p:txBody>
+          <a:bodyPr/>
+          <a:lstStyle/>
+          <a:p>
+            <a:r>
+              <a:rPr lang="en-US" dirty="0" smtClean="0"/>
+              <a:t>Verb Routing versus Named Actions</a:t>
+            </a:r>
+            <a:endParaRPr lang="en-US" dirty="0"/>
+          </a:p>
+        </p:txBody>
+      </p:sp>
+      <p:sp>
+        <p:nvSpPr>
+          <p:cNvPr id="3" name="Text Placeholder 2"/>
+          <p:cNvSpPr>
+            <a:spLocks noGrp="1"/>
+          </p:cNvSpPr>
+          <p:nvPr>
+            <p:ph type="body" idx="1"/>
+          </p:nvPr>
+        </p:nvSpPr>
+        <p:spPr/>
+        <p:txBody>
+          <a:bodyPr/>
+          <a:lstStyle/>
+          <a:p>
+            <a:r>
+              <a:rPr lang="en-US" dirty="0" smtClean="0"/>
+              <a:t>Routing works with actions and API style routing</a:t>
+            </a:r>
+            <a:endParaRPr lang="en-US" dirty="0"/>
+          </a:p>
+        </p:txBody>
+      </p:sp>
+      <p:pic>
+        <p:nvPicPr>
+          <p:cNvPr id="4" name="Picture 3"/>
+          <p:cNvPicPr>
+            <a:picLocks noChangeAspect="1"/>
+          </p:cNvPicPr>
+          <p:nvPr/>
+        </p:nvPicPr>
+        <p:blipFill>
+          <a:blip r:embed="rId2"/>
+          <a:stretch>
+            <a:fillRect/>
+          </a:stretch>
+        </p:blipFill>
+        <p:spPr>
+          <a:xfrm>
+            <a:off x="1966912" y="2438400"/>
+            <a:ext cx="5210175" cy="3743325"/>
+          </a:xfrm>
+          <a:prstGeom prst="rect">
+            <a:avLst/>
+          </a:prstGeom>
+        </p:spPr>
+      </p:pic>
+    </p:spTree>
+    <p:extLst>
+      <p:ext uri="{BB962C8B-B14F-4D97-AF65-F5344CB8AC3E}">
+        <p14:creationId xmlns:p14="http://schemas.microsoft.com/office/powerpoint/2010/main" val="1616564539"/>
+      </p:ext>
+    </p:extLst>
+  </p:cSld>
+  <p:clrMapOvr>
+    <a:masterClrMapping/>
+  </p:clrMapOvr>
+  <p:transition>
+    <p:fade/>
+  </p:transition>
+  <p:timing>
+    <p:tnLst>
+      <p:par>
+        <p:cTn id="1" dur="indefinite" restart="never" nodeType="tmRoot"/>
+      </p:par>
+    </p:tnLst>
+  </p:timing>
+</p:sld>
+</file>
+
+<file path=ppt/slides/slide8.xml><?xml version="1.0" encoding="utf-8"?>
+<p:sld xmlns:a="http://schemas.openxmlformats.org/drawingml/2006/main" xmlns:r="http://schemas.openxmlformats.org/officeDocument/2006/relationships" xmlns:p="http://schemas.openxmlformats.org/presentationml/2006/main">
+  <p:cSld>
+    <p:spTree>
+      <p:nvGrpSpPr>
+        <p:cNvPr id="1" name=""/>
+        <p:cNvGrpSpPr/>
+        <p:nvPr/>
+      </p:nvGrpSpPr>
+      <p:grpSpPr>
+        <a:xfrm>
+          <a:off x="0" y="0"/>
+          <a:ext cx="0" cy="0"/>
+          <a:chOff x="0" y="0"/>
+          <a:chExt cx="0" cy="0"/>
+        </a:xfrm>
+      </p:grpSpPr>
+      <p:sp>
+        <p:nvSpPr>
+          <p:cNvPr id="2" name="Title 1"/>
+          <p:cNvSpPr>
+            <a:spLocks noGrp="1"/>
+          </p:cNvSpPr>
+          <p:nvPr>
+            <p:ph type="title"/>
+          </p:nvPr>
+        </p:nvSpPr>
+        <p:spPr/>
+        <p:txBody>
+          <a:bodyPr/>
+          <a:lstStyle/>
+          <a:p>
+            <a:r>
+              <a:rPr lang="en-US" dirty="0" smtClean="0"/>
+              <a:t>Controller Base Class</a:t>
+            </a:r>
+            <a:endParaRPr lang="en-US" dirty="0"/>
+          </a:p>
+        </p:txBody>
+      </p:sp>
+      <p:sp>
+        <p:nvSpPr>
+          <p:cNvPr id="3" name="Text Placeholder 2"/>
+          <p:cNvSpPr>
+            <a:spLocks noGrp="1"/>
+          </p:cNvSpPr>
+          <p:nvPr>
+            <p:ph type="body" idx="1"/>
+          </p:nvPr>
+        </p:nvSpPr>
+        <p:spPr/>
+        <p:txBody>
+          <a:bodyPr/>
+          <a:lstStyle/>
+          <a:p>
+            <a:r>
+              <a:rPr lang="en-US" dirty="0" smtClean="0"/>
+              <a:t>Provides access to HTTP context, current user, request, </a:t>
+            </a:r>
+            <a:r>
+              <a:rPr lang="en-US" dirty="0" smtClean="0"/>
+              <a:t>response</a:t>
+            </a:r>
+          </a:p>
+          <a:p>
+            <a:r>
+              <a:rPr lang="en-US" dirty="0" smtClean="0"/>
+              <a:t>Provides </a:t>
+            </a:r>
+            <a:r>
+              <a:rPr lang="en-US" dirty="0" err="1" smtClean="0"/>
+              <a:t>IActionResult</a:t>
+            </a:r>
+            <a:r>
+              <a:rPr lang="en-US" dirty="0" smtClean="0"/>
+              <a:t> helpers</a:t>
+            </a:r>
+            <a:endParaRPr lang="en-US" dirty="0"/>
+          </a:p>
+        </p:txBody>
+      </p:sp>
+      <p:pic>
+        <p:nvPicPr>
+          <p:cNvPr id="4" name="Picture 3"/>
+          <p:cNvPicPr>
+            <a:picLocks noChangeAspect="1"/>
+          </p:cNvPicPr>
+          <p:nvPr/>
+        </p:nvPicPr>
+        <p:blipFill>
+          <a:blip r:embed="rId2"/>
+          <a:stretch>
+            <a:fillRect/>
+          </a:stretch>
+        </p:blipFill>
+        <p:spPr>
+          <a:xfrm>
+            <a:off x="3095625" y="2790825"/>
+            <a:ext cx="2952750" cy="1276350"/>
+          </a:xfrm>
+          <a:prstGeom prst="rect">
+            <a:avLst/>
+          </a:prstGeom>
+        </p:spPr>
+      </p:pic>
+    </p:spTree>
+    <p:extLst>
+      <p:ext uri="{BB962C8B-B14F-4D97-AF65-F5344CB8AC3E}">
+        <p14:creationId xmlns:p14="http://schemas.microsoft.com/office/powerpoint/2010/main" val="4024629764"/>
+      </p:ext>
+    </p:extLst>
+  </p:cSld>
+  <p:clrMapOvr>
+    <a:masterClrMapping/>
+  </p:clrMapOvr>
+  <p:transition>
+    <p:fade/>
+  </p:transition>
+</p:sld>
+</file>
+
+<file path=ppt/slides/slide9.xml><?xml version="1.0" encoding="utf-8"?>
+<p:sld xmlns:a="http://schemas.openxmlformats.org/drawingml/2006/main" xmlns:r="http://schemas.openxmlformats.org/officeDocument/2006/relationships" xmlns:p="http://schemas.openxmlformats.org/presentationml/2006/main">
+  <p:cSld>
+    <p:spTree>
+      <p:nvGrpSpPr>
+        <p:cNvPr id="1" name=""/>
+        <p:cNvGrpSpPr/>
+        <p:nvPr/>
+      </p:nvGrpSpPr>
+      <p:grpSpPr>
+        <a:xfrm>
+          <a:off x="0" y="0"/>
+          <a:ext cx="0" cy="0"/>
+          <a:chOff x="0" y="0"/>
+          <a:chExt cx="0" cy="0"/>
+        </a:xfrm>
+      </p:grpSpPr>
+      <p:sp>
+        <p:nvSpPr>
+          <p:cNvPr id="2" name="Title 1"/>
+          <p:cNvSpPr>
+            <a:spLocks noGrp="1"/>
+          </p:cNvSpPr>
+          <p:nvPr>
+            <p:ph type="title"/>
+          </p:nvPr>
+        </p:nvSpPr>
+        <p:spPr/>
+        <p:txBody>
+          <a:bodyPr/>
+          <a:lstStyle/>
+          <a:p>
+            <a:r>
+              <a:rPr lang="en-US" dirty="0" smtClean="0"/>
+              <a:t>Action Results</a:t>
+            </a:r>
+            <a:endParaRPr lang="en-US" dirty="0"/>
+          </a:p>
+        </p:txBody>
+      </p:sp>
+      <p:sp>
+        <p:nvSpPr>
+          <p:cNvPr id="3" name="Text Placeholder 2"/>
+          <p:cNvSpPr>
+            <a:spLocks noGrp="1"/>
+          </p:cNvSpPr>
+          <p:nvPr>
+            <p:ph type="body" idx="1"/>
+          </p:nvPr>
+        </p:nvSpPr>
+        <p:spPr/>
+        <p:txBody>
+          <a:bodyPr/>
+          <a:lstStyle/>
+          <a:p>
+            <a:r>
+              <a:rPr lang="en-US" dirty="0" err="1" smtClean="0"/>
+              <a:t>IHttpActionResult</a:t>
+            </a:r>
+            <a:r>
+              <a:rPr lang="en-US" dirty="0" smtClean="0"/>
+              <a:t> encapsulates controller decision</a:t>
+            </a:r>
+          </a:p>
+          <a:p>
+            <a:r>
+              <a:rPr lang="en-US" dirty="0" smtClean="0"/>
+              <a:t>Execution of result is later in the MVC pipeline</a:t>
+            </a:r>
+          </a:p>
+        </p:txBody>
+      </p:sp>
+      <p:pic>
+        <p:nvPicPr>
+          <p:cNvPr id="4" name="Picture 3"/>
+          <p:cNvPicPr>
+            <a:picLocks noChangeAspect="1"/>
+          </p:cNvPicPr>
+          <p:nvPr/>
+        </p:nvPicPr>
+        <p:blipFill>
+          <a:blip r:embed="rId2"/>
+          <a:stretch>
+            <a:fillRect/>
+          </a:stretch>
+        </p:blipFill>
+        <p:spPr>
+          <a:xfrm>
+            <a:off x="1990725" y="2895600"/>
+            <a:ext cx="5162550" cy="1419225"/>
+          </a:xfrm>
+          <a:prstGeom prst="rect">
+            <a:avLst/>
+          </a:prstGeom>
+          <a:ln>
+            <a:noFill/>
+          </a:ln>
+          <a:effectLst>
+            <a:outerShdw blurRad="292100" dist="139700" dir="2700000" algn="tl" rotWithShape="0">
+              <a:srgbClr val="333333">
+                <a:alpha val="65000"/>
+              </a:srgbClr>
+            </a:outerShdw>
+          </a:effectLst>
+        </p:spPr>
+      </p:pic>
+    </p:spTree>
+    <p:extLst>
+      <p:ext uri="{BB962C8B-B14F-4D97-AF65-F5344CB8AC3E}">
+        <p14:creationId xmlns:p14="http://schemas.microsoft.com/office/powerpoint/2010/main" val="1123265878"/>
+      </p:ext>
+    </p:extLst>
   </p:cSld>
   <p:clrMapOvr>
     <a:masterClrMapping/>

--- a/aspnet5/slides/04_Controllers.pptx
+++ b/aspnet5/slides/04_Controllers.pptx
@@ -303,7 +303,7 @@
               <a:pPr>
                 <a:defRPr/>
               </a:pPr>
-              <a:t>9/9/2015</a:t>
+              <a:t>9/11/2015</a:t>
             </a:fld>
             <a:endParaRPr lang="en-US"/>
           </a:p>
@@ -3798,181 +3798,7 @@
           <a:bodyPr/>
           <a:lstStyle/>
           <a:p>
-            <a:endParaRPr lang="en-US"/>
-          </a:p>
-        </p:txBody>
-      </p:sp>
-      <p:sp>
-        <p:nvSpPr>
-          <p:cNvPr id="4" name="Oval 3"/>
-          <p:cNvSpPr/>
-          <p:nvPr/>
-        </p:nvSpPr>
-        <p:spPr bwMode="auto">
-          <a:xfrm>
-            <a:off x="3276600" y="1371600"/>
-            <a:ext cx="2209800" cy="1905000"/>
-          </a:xfrm>
-          <a:prstGeom prst="ellipse">
-            <a:avLst/>
-          </a:prstGeom>
-          <a:gradFill rotWithShape="1">
-            <a:gsLst>
-              <a:gs pos="0">
-                <a:srgbClr val="A4D289"/>
-              </a:gs>
-              <a:gs pos="100000">
-                <a:schemeClr val="bg1"/>
-              </a:gs>
-            </a:gsLst>
-            <a:lin ang="5400000" scaled="1"/>
-          </a:gradFill>
-          <a:ln w="9525" algn="ctr">
-            <a:solidFill>
-              <a:schemeClr val="tx1"/>
-            </a:solidFill>
-            <a:miter lim="800000"/>
-            <a:headEnd/>
-            <a:tailEnd/>
-          </a:ln>
-          <a:effectLst>
-            <a:outerShdw blurRad="50800" dist="38100" dir="2700000" algn="tl" rotWithShape="0">
-              <a:prstClr val="black">
-                <a:alpha val="40000"/>
-              </a:prstClr>
-            </a:outerShdw>
-          </a:effectLst>
-        </p:spPr>
-        <p:txBody>
-          <a:bodyPr wrap="none" rtlCol="0" anchor="ctr"/>
-          <a:lstStyle/>
-          <a:p>
-            <a:pPr algn="ctr"/>
-            <a:r>
-              <a:rPr lang="en-US" sz="2000" dirty="0" smtClean="0">
-                <a:latin typeface="Tekton Pro" pitchFamily="34" charset="0"/>
-              </a:rPr>
-              <a:t>Controller</a:t>
-            </a:r>
-            <a:endParaRPr lang="en-US" sz="2000" dirty="0">
-              <a:latin typeface="Tekton Pro" pitchFamily="34" charset="0"/>
-            </a:endParaRPr>
-          </a:p>
-        </p:txBody>
-      </p:sp>
-      <p:sp>
-        <p:nvSpPr>
-          <p:cNvPr id="5" name="Oval 4"/>
-          <p:cNvSpPr/>
-          <p:nvPr/>
-        </p:nvSpPr>
-        <p:spPr bwMode="auto">
-          <a:xfrm>
-            <a:off x="1219200" y="3657600"/>
-            <a:ext cx="2209800" cy="1905000"/>
-          </a:xfrm>
-          <a:prstGeom prst="ellipse">
-            <a:avLst/>
-          </a:prstGeom>
-          <a:gradFill rotWithShape="1">
-            <a:gsLst>
-              <a:gs pos="0">
-                <a:srgbClr val="A4D289"/>
-              </a:gs>
-              <a:gs pos="100000">
-                <a:schemeClr val="bg1"/>
-              </a:gs>
-            </a:gsLst>
-            <a:lin ang="5400000" scaled="1"/>
-          </a:gradFill>
-          <a:ln w="9525" algn="ctr">
-            <a:solidFill>
-              <a:schemeClr val="tx1"/>
-            </a:solidFill>
-            <a:miter lim="800000"/>
-            <a:headEnd/>
-            <a:tailEnd/>
-          </a:ln>
-          <a:effectLst>
-            <a:outerShdw blurRad="50800" dist="38100" dir="2700000" algn="tl" rotWithShape="0">
-              <a:prstClr val="black">
-                <a:alpha val="40000"/>
-              </a:prstClr>
-            </a:outerShdw>
-          </a:effectLst>
-        </p:spPr>
-        <p:txBody>
-          <a:bodyPr wrap="none" rtlCol="0" anchor="ctr"/>
-          <a:lstStyle/>
-          <a:p>
-            <a:pPr algn="ctr"/>
-            <a:r>
-              <a:rPr lang="en-US" sz="2000" dirty="0" smtClean="0">
-                <a:latin typeface="Tekton Pro" pitchFamily="34" charset="0"/>
-              </a:rPr>
-              <a:t>Model</a:t>
-            </a:r>
-            <a:endParaRPr lang="en-US" sz="2000" dirty="0">
-              <a:latin typeface="Tekton Pro" pitchFamily="34" charset="0"/>
-            </a:endParaRPr>
-          </a:p>
-        </p:txBody>
-      </p:sp>
-      <p:sp>
-        <p:nvSpPr>
-          <p:cNvPr id="6" name="Oval 5"/>
-          <p:cNvSpPr/>
-          <p:nvPr/>
-        </p:nvSpPr>
-        <p:spPr bwMode="auto">
-          <a:xfrm>
-            <a:off x="5486400" y="3581400"/>
-            <a:ext cx="2209800" cy="1905000"/>
-          </a:xfrm>
-          <a:prstGeom prst="ellipse">
-            <a:avLst/>
-          </a:prstGeom>
-          <a:gradFill rotWithShape="1">
-            <a:gsLst>
-              <a:gs pos="0">
-                <a:srgbClr val="A4D289"/>
-              </a:gs>
-              <a:gs pos="100000">
-                <a:schemeClr val="bg1"/>
-              </a:gs>
-            </a:gsLst>
-            <a:lin ang="5400000" scaled="1"/>
-          </a:gradFill>
-          <a:ln w="9525" algn="ctr">
-            <a:solidFill>
-              <a:schemeClr val="tx1"/>
-            </a:solidFill>
-            <a:miter lim="800000"/>
-            <a:headEnd/>
-            <a:tailEnd/>
-          </a:ln>
-          <a:effectLst>
-            <a:outerShdw blurRad="50800" dist="38100" dir="2700000" algn="tl" rotWithShape="0">
-              <a:prstClr val="black">
-                <a:alpha val="40000"/>
-              </a:prstClr>
-            </a:outerShdw>
-          </a:effectLst>
-        </p:spPr>
-        <p:txBody>
-          <a:bodyPr wrap="none" rtlCol="0" anchor="ctr"/>
-          <a:lstStyle/>
-          <a:p>
-            <a:pPr algn="ctr"/>
-            <a:r>
-              <a:rPr lang="en-US" sz="2000" dirty="0" smtClean="0">
-                <a:latin typeface="Tekton Pro" pitchFamily="34" charset="0"/>
-              </a:rPr>
-              <a:t>View</a:t>
-            </a:r>
-            <a:endParaRPr lang="en-US" sz="2000" dirty="0">
-              <a:latin typeface="Tekton Pro" pitchFamily="34" charset="0"/>
-            </a:endParaRPr>
+            <a:endParaRPr lang="en-US" dirty="0"/>
           </a:p>
         </p:txBody>
       </p:sp>
@@ -3984,7 +3810,7 @@
         </p:nvSpPr>
         <p:spPr bwMode="auto">
           <a:xfrm rot="19207364">
-            <a:off x="5265071" y="2850313"/>
+            <a:off x="5324792" y="2850313"/>
             <a:ext cx="685800" cy="990600"/>
           </a:xfrm>
           <a:prstGeom prst="downArrow">
@@ -4036,7 +3862,7 @@
         </p:nvSpPr>
         <p:spPr bwMode="auto">
           <a:xfrm rot="2489159">
-            <a:off x="2832878" y="2846088"/>
+            <a:off x="2832878" y="2769888"/>
             <a:ext cx="685800" cy="990600"/>
           </a:xfrm>
           <a:prstGeom prst="downArrow">
@@ -4132,6 +3958,546 @@
           </a:p>
         </p:txBody>
       </p:sp>
+      <p:sp>
+        <p:nvSpPr>
+          <p:cNvPr id="10" name="Oval 9"/>
+          <p:cNvSpPr/>
+          <p:nvPr/>
+        </p:nvSpPr>
+        <p:spPr bwMode="auto">
+          <a:xfrm>
+            <a:off x="3390900" y="1333500"/>
+            <a:ext cx="2209800" cy="1905000"/>
+          </a:xfrm>
+          <a:prstGeom prst="ellipse">
+            <a:avLst/>
+          </a:prstGeom>
+          <a:solidFill>
+            <a:srgbClr val="D3D3A9"/>
+          </a:solidFill>
+          <a:ln>
+            <a:solidFill>
+              <a:schemeClr val="tx2"/>
+            </a:solidFill>
+            <a:headEnd/>
+            <a:tailEnd/>
+          </a:ln>
+        </p:spPr>
+        <p:style>
+          <a:lnRef idx="1">
+            <a:schemeClr val="accent1"/>
+          </a:lnRef>
+          <a:fillRef idx="2">
+            <a:schemeClr val="accent1"/>
+          </a:fillRef>
+          <a:effectRef idx="1">
+            <a:schemeClr val="accent1"/>
+          </a:effectRef>
+          <a:fontRef idx="minor">
+            <a:schemeClr val="dk1"/>
+          </a:fontRef>
+        </p:style>
+        <p:txBody>
+          <a:bodyPr wrap="none" rtlCol="0" anchor="ctr"/>
+          <a:lstStyle>
+            <a:defPPr>
+              <a:defRPr lang="en-US"/>
+            </a:defPPr>
+            <a:lvl1pPr algn="ctr" rtl="0" eaLnBrk="0" fontAlgn="base" hangingPunct="0">
+              <a:spcBef>
+                <a:spcPct val="0"/>
+              </a:spcBef>
+              <a:spcAft>
+                <a:spcPct val="0"/>
+              </a:spcAft>
+              <a:defRPr sz="1600" b="1" kern="1200">
+                <a:solidFill>
+                  <a:schemeClr val="dk1"/>
+                </a:solidFill>
+                <a:latin typeface="+mn-lt"/>
+                <a:ea typeface="+mn-ea"/>
+                <a:cs typeface="+mn-cs"/>
+              </a:defRPr>
+            </a:lvl1pPr>
+            <a:lvl2pPr marL="457200" algn="ctr" rtl="0" eaLnBrk="0" fontAlgn="base" hangingPunct="0">
+              <a:spcBef>
+                <a:spcPct val="0"/>
+              </a:spcBef>
+              <a:spcAft>
+                <a:spcPct val="0"/>
+              </a:spcAft>
+              <a:defRPr sz="1600" b="1" kern="1200">
+                <a:solidFill>
+                  <a:schemeClr val="dk1"/>
+                </a:solidFill>
+                <a:latin typeface="+mn-lt"/>
+                <a:ea typeface="+mn-ea"/>
+                <a:cs typeface="+mn-cs"/>
+              </a:defRPr>
+            </a:lvl2pPr>
+            <a:lvl3pPr marL="914400" algn="ctr" rtl="0" eaLnBrk="0" fontAlgn="base" hangingPunct="0">
+              <a:spcBef>
+                <a:spcPct val="0"/>
+              </a:spcBef>
+              <a:spcAft>
+                <a:spcPct val="0"/>
+              </a:spcAft>
+              <a:defRPr sz="1600" b="1" kern="1200">
+                <a:solidFill>
+                  <a:schemeClr val="dk1"/>
+                </a:solidFill>
+                <a:latin typeface="+mn-lt"/>
+                <a:ea typeface="+mn-ea"/>
+                <a:cs typeface="+mn-cs"/>
+              </a:defRPr>
+            </a:lvl3pPr>
+            <a:lvl4pPr marL="1371600" algn="ctr" rtl="0" eaLnBrk="0" fontAlgn="base" hangingPunct="0">
+              <a:spcBef>
+                <a:spcPct val="0"/>
+              </a:spcBef>
+              <a:spcAft>
+                <a:spcPct val="0"/>
+              </a:spcAft>
+              <a:defRPr sz="1600" b="1" kern="1200">
+                <a:solidFill>
+                  <a:schemeClr val="dk1"/>
+                </a:solidFill>
+                <a:latin typeface="+mn-lt"/>
+                <a:ea typeface="+mn-ea"/>
+                <a:cs typeface="+mn-cs"/>
+              </a:defRPr>
+            </a:lvl4pPr>
+            <a:lvl5pPr marL="1828800" algn="ctr" rtl="0" eaLnBrk="0" fontAlgn="base" hangingPunct="0">
+              <a:spcBef>
+                <a:spcPct val="0"/>
+              </a:spcBef>
+              <a:spcAft>
+                <a:spcPct val="0"/>
+              </a:spcAft>
+              <a:defRPr sz="1600" b="1" kern="1200">
+                <a:solidFill>
+                  <a:schemeClr val="dk1"/>
+                </a:solidFill>
+                <a:latin typeface="+mn-lt"/>
+                <a:ea typeface="+mn-ea"/>
+                <a:cs typeface="+mn-cs"/>
+              </a:defRPr>
+            </a:lvl5pPr>
+            <a:lvl6pPr marL="2286000" algn="l" defTabSz="914400" rtl="0" eaLnBrk="1" latinLnBrk="0" hangingPunct="1">
+              <a:defRPr sz="1600" b="1" kern="1200">
+                <a:solidFill>
+                  <a:schemeClr val="dk1"/>
+                </a:solidFill>
+                <a:latin typeface="+mn-lt"/>
+                <a:ea typeface="+mn-ea"/>
+                <a:cs typeface="+mn-cs"/>
+              </a:defRPr>
+            </a:lvl6pPr>
+            <a:lvl7pPr marL="2743200" algn="l" defTabSz="914400" rtl="0" eaLnBrk="1" latinLnBrk="0" hangingPunct="1">
+              <a:defRPr sz="1600" b="1" kern="1200">
+                <a:solidFill>
+                  <a:schemeClr val="dk1"/>
+                </a:solidFill>
+                <a:latin typeface="+mn-lt"/>
+                <a:ea typeface="+mn-ea"/>
+                <a:cs typeface="+mn-cs"/>
+              </a:defRPr>
+            </a:lvl7pPr>
+            <a:lvl8pPr marL="3200400" algn="l" defTabSz="914400" rtl="0" eaLnBrk="1" latinLnBrk="0" hangingPunct="1">
+              <a:defRPr sz="1600" b="1" kern="1200">
+                <a:solidFill>
+                  <a:schemeClr val="dk1"/>
+                </a:solidFill>
+                <a:latin typeface="+mn-lt"/>
+                <a:ea typeface="+mn-ea"/>
+                <a:cs typeface="+mn-cs"/>
+              </a:defRPr>
+            </a:lvl8pPr>
+            <a:lvl9pPr marL="3657600" algn="l" defTabSz="914400" rtl="0" eaLnBrk="1" latinLnBrk="0" hangingPunct="1">
+              <a:defRPr sz="1600" b="1" kern="1200">
+                <a:solidFill>
+                  <a:schemeClr val="dk1"/>
+                </a:solidFill>
+                <a:latin typeface="+mn-lt"/>
+                <a:ea typeface="+mn-ea"/>
+                <a:cs typeface="+mn-cs"/>
+              </a:defRPr>
+            </a:lvl9pPr>
+          </a:lstStyle>
+          <a:p>
+            <a:pPr algn="ctr"/>
+            <a:r>
+              <a:rPr lang="en-US" sz="2000" dirty="0" smtClean="0">
+                <a:latin typeface="Tekton Pro" pitchFamily="34" charset="0"/>
+              </a:rPr>
+              <a:t>Controller</a:t>
+            </a:r>
+            <a:endParaRPr lang="en-US" sz="2000" dirty="0">
+              <a:latin typeface="Tekton Pro" pitchFamily="34" charset="0"/>
+            </a:endParaRPr>
+          </a:p>
+        </p:txBody>
+      </p:sp>
+      <p:sp>
+        <p:nvSpPr>
+          <p:cNvPr id="11" name="Oval 10"/>
+          <p:cNvSpPr/>
+          <p:nvPr/>
+        </p:nvSpPr>
+        <p:spPr bwMode="auto">
+          <a:xfrm>
+            <a:off x="1333500" y="3619500"/>
+            <a:ext cx="2209800" cy="1905000"/>
+          </a:xfrm>
+          <a:prstGeom prst="ellipse">
+            <a:avLst/>
+          </a:prstGeom>
+          <a:solidFill>
+            <a:srgbClr val="D3D3A9"/>
+          </a:solidFill>
+          <a:ln>
+            <a:solidFill>
+              <a:schemeClr val="tx2"/>
+            </a:solidFill>
+            <a:headEnd/>
+            <a:tailEnd/>
+          </a:ln>
+        </p:spPr>
+        <p:style>
+          <a:lnRef idx="1">
+            <a:schemeClr val="accent1"/>
+          </a:lnRef>
+          <a:fillRef idx="2">
+            <a:schemeClr val="accent1"/>
+          </a:fillRef>
+          <a:effectRef idx="1">
+            <a:schemeClr val="accent1"/>
+          </a:effectRef>
+          <a:fontRef idx="minor">
+            <a:schemeClr val="dk1"/>
+          </a:fontRef>
+        </p:style>
+        <p:txBody>
+          <a:bodyPr wrap="none" rtlCol="0" anchor="ctr"/>
+          <a:lstStyle>
+            <a:defPPr>
+              <a:defRPr lang="en-US"/>
+            </a:defPPr>
+            <a:lvl1pPr algn="ctr" rtl="0" eaLnBrk="0" fontAlgn="base" hangingPunct="0">
+              <a:spcBef>
+                <a:spcPct val="0"/>
+              </a:spcBef>
+              <a:spcAft>
+                <a:spcPct val="0"/>
+              </a:spcAft>
+              <a:defRPr sz="1600" b="1" kern="1200">
+                <a:solidFill>
+                  <a:schemeClr val="dk1"/>
+                </a:solidFill>
+                <a:latin typeface="+mn-lt"/>
+                <a:ea typeface="+mn-ea"/>
+                <a:cs typeface="+mn-cs"/>
+              </a:defRPr>
+            </a:lvl1pPr>
+            <a:lvl2pPr marL="457200" algn="ctr" rtl="0" eaLnBrk="0" fontAlgn="base" hangingPunct="0">
+              <a:spcBef>
+                <a:spcPct val="0"/>
+              </a:spcBef>
+              <a:spcAft>
+                <a:spcPct val="0"/>
+              </a:spcAft>
+              <a:defRPr sz="1600" b="1" kern="1200">
+                <a:solidFill>
+                  <a:schemeClr val="dk1"/>
+                </a:solidFill>
+                <a:latin typeface="+mn-lt"/>
+                <a:ea typeface="+mn-ea"/>
+                <a:cs typeface="+mn-cs"/>
+              </a:defRPr>
+            </a:lvl2pPr>
+            <a:lvl3pPr marL="914400" algn="ctr" rtl="0" eaLnBrk="0" fontAlgn="base" hangingPunct="0">
+              <a:spcBef>
+                <a:spcPct val="0"/>
+              </a:spcBef>
+              <a:spcAft>
+                <a:spcPct val="0"/>
+              </a:spcAft>
+              <a:defRPr sz="1600" b="1" kern="1200">
+                <a:solidFill>
+                  <a:schemeClr val="dk1"/>
+                </a:solidFill>
+                <a:latin typeface="+mn-lt"/>
+                <a:ea typeface="+mn-ea"/>
+                <a:cs typeface="+mn-cs"/>
+              </a:defRPr>
+            </a:lvl3pPr>
+            <a:lvl4pPr marL="1371600" algn="ctr" rtl="0" eaLnBrk="0" fontAlgn="base" hangingPunct="0">
+              <a:spcBef>
+                <a:spcPct val="0"/>
+              </a:spcBef>
+              <a:spcAft>
+                <a:spcPct val="0"/>
+              </a:spcAft>
+              <a:defRPr sz="1600" b="1" kern="1200">
+                <a:solidFill>
+                  <a:schemeClr val="dk1"/>
+                </a:solidFill>
+                <a:latin typeface="+mn-lt"/>
+                <a:ea typeface="+mn-ea"/>
+                <a:cs typeface="+mn-cs"/>
+              </a:defRPr>
+            </a:lvl4pPr>
+            <a:lvl5pPr marL="1828800" algn="ctr" rtl="0" eaLnBrk="0" fontAlgn="base" hangingPunct="0">
+              <a:spcBef>
+                <a:spcPct val="0"/>
+              </a:spcBef>
+              <a:spcAft>
+                <a:spcPct val="0"/>
+              </a:spcAft>
+              <a:defRPr sz="1600" b="1" kern="1200">
+                <a:solidFill>
+                  <a:schemeClr val="dk1"/>
+                </a:solidFill>
+                <a:latin typeface="+mn-lt"/>
+                <a:ea typeface="+mn-ea"/>
+                <a:cs typeface="+mn-cs"/>
+              </a:defRPr>
+            </a:lvl5pPr>
+            <a:lvl6pPr marL="2286000" algn="l" defTabSz="914400" rtl="0" eaLnBrk="1" latinLnBrk="0" hangingPunct="1">
+              <a:defRPr sz="1600" b="1" kern="1200">
+                <a:solidFill>
+                  <a:schemeClr val="dk1"/>
+                </a:solidFill>
+                <a:latin typeface="+mn-lt"/>
+                <a:ea typeface="+mn-ea"/>
+                <a:cs typeface="+mn-cs"/>
+              </a:defRPr>
+            </a:lvl6pPr>
+            <a:lvl7pPr marL="2743200" algn="l" defTabSz="914400" rtl="0" eaLnBrk="1" latinLnBrk="0" hangingPunct="1">
+              <a:defRPr sz="1600" b="1" kern="1200">
+                <a:solidFill>
+                  <a:schemeClr val="dk1"/>
+                </a:solidFill>
+                <a:latin typeface="+mn-lt"/>
+                <a:ea typeface="+mn-ea"/>
+                <a:cs typeface="+mn-cs"/>
+              </a:defRPr>
+            </a:lvl7pPr>
+            <a:lvl8pPr marL="3200400" algn="l" defTabSz="914400" rtl="0" eaLnBrk="1" latinLnBrk="0" hangingPunct="1">
+              <a:defRPr sz="1600" b="1" kern="1200">
+                <a:solidFill>
+                  <a:schemeClr val="dk1"/>
+                </a:solidFill>
+                <a:latin typeface="+mn-lt"/>
+                <a:ea typeface="+mn-ea"/>
+                <a:cs typeface="+mn-cs"/>
+              </a:defRPr>
+            </a:lvl8pPr>
+            <a:lvl9pPr marL="3657600" algn="l" defTabSz="914400" rtl="0" eaLnBrk="1" latinLnBrk="0" hangingPunct="1">
+              <a:defRPr sz="1600" b="1" kern="1200">
+                <a:solidFill>
+                  <a:schemeClr val="dk1"/>
+                </a:solidFill>
+                <a:latin typeface="+mn-lt"/>
+                <a:ea typeface="+mn-ea"/>
+                <a:cs typeface="+mn-cs"/>
+              </a:defRPr>
+            </a:lvl9pPr>
+          </a:lstStyle>
+          <a:p>
+            <a:pPr algn="ctr"/>
+            <a:r>
+              <a:rPr lang="en-US" sz="2000" dirty="0" smtClean="0">
+                <a:latin typeface="Tekton Pro" pitchFamily="34" charset="0"/>
+              </a:rPr>
+              <a:t>Model</a:t>
+            </a:r>
+            <a:endParaRPr lang="en-US" sz="2000" dirty="0">
+              <a:latin typeface="Tekton Pro" pitchFamily="34" charset="0"/>
+            </a:endParaRPr>
+          </a:p>
+        </p:txBody>
+      </p:sp>
+      <p:sp>
+        <p:nvSpPr>
+          <p:cNvPr id="12" name="Oval 11"/>
+          <p:cNvSpPr/>
+          <p:nvPr/>
+        </p:nvSpPr>
+        <p:spPr bwMode="auto">
+          <a:xfrm>
+            <a:off x="5600700" y="3543300"/>
+            <a:ext cx="2209800" cy="1905000"/>
+          </a:xfrm>
+          <a:prstGeom prst="ellipse">
+            <a:avLst/>
+          </a:prstGeom>
+          <a:solidFill>
+            <a:srgbClr val="D3D3A9"/>
+          </a:solidFill>
+          <a:ln>
+            <a:solidFill>
+              <a:schemeClr val="tx2"/>
+            </a:solidFill>
+            <a:headEnd/>
+            <a:tailEnd/>
+          </a:ln>
+        </p:spPr>
+        <p:style>
+          <a:lnRef idx="1">
+            <a:schemeClr val="accent1"/>
+          </a:lnRef>
+          <a:fillRef idx="2">
+            <a:schemeClr val="accent1"/>
+          </a:fillRef>
+          <a:effectRef idx="1">
+            <a:schemeClr val="accent1"/>
+          </a:effectRef>
+          <a:fontRef idx="minor">
+            <a:schemeClr val="dk1"/>
+          </a:fontRef>
+        </p:style>
+        <p:txBody>
+          <a:bodyPr wrap="none" rtlCol="0" anchor="ctr"/>
+          <a:lstStyle>
+            <a:defPPr>
+              <a:defRPr lang="en-US"/>
+            </a:defPPr>
+            <a:lvl1pPr algn="ctr" rtl="0" eaLnBrk="0" fontAlgn="base" hangingPunct="0">
+              <a:spcBef>
+                <a:spcPct val="0"/>
+              </a:spcBef>
+              <a:spcAft>
+                <a:spcPct val="0"/>
+              </a:spcAft>
+              <a:defRPr sz="1600" b="1" kern="1200">
+                <a:solidFill>
+                  <a:schemeClr val="dk1"/>
+                </a:solidFill>
+                <a:latin typeface="+mn-lt"/>
+                <a:ea typeface="+mn-ea"/>
+                <a:cs typeface="+mn-cs"/>
+              </a:defRPr>
+            </a:lvl1pPr>
+            <a:lvl2pPr marL="457200" algn="ctr" rtl="0" eaLnBrk="0" fontAlgn="base" hangingPunct="0">
+              <a:spcBef>
+                <a:spcPct val="0"/>
+              </a:spcBef>
+              <a:spcAft>
+                <a:spcPct val="0"/>
+              </a:spcAft>
+              <a:defRPr sz="1600" b="1" kern="1200">
+                <a:solidFill>
+                  <a:schemeClr val="dk1"/>
+                </a:solidFill>
+                <a:latin typeface="+mn-lt"/>
+                <a:ea typeface="+mn-ea"/>
+                <a:cs typeface="+mn-cs"/>
+              </a:defRPr>
+            </a:lvl2pPr>
+            <a:lvl3pPr marL="914400" algn="ctr" rtl="0" eaLnBrk="0" fontAlgn="base" hangingPunct="0">
+              <a:spcBef>
+                <a:spcPct val="0"/>
+              </a:spcBef>
+              <a:spcAft>
+                <a:spcPct val="0"/>
+              </a:spcAft>
+              <a:defRPr sz="1600" b="1" kern="1200">
+                <a:solidFill>
+                  <a:schemeClr val="dk1"/>
+                </a:solidFill>
+                <a:latin typeface="+mn-lt"/>
+                <a:ea typeface="+mn-ea"/>
+                <a:cs typeface="+mn-cs"/>
+              </a:defRPr>
+            </a:lvl3pPr>
+            <a:lvl4pPr marL="1371600" algn="ctr" rtl="0" eaLnBrk="0" fontAlgn="base" hangingPunct="0">
+              <a:spcBef>
+                <a:spcPct val="0"/>
+              </a:spcBef>
+              <a:spcAft>
+                <a:spcPct val="0"/>
+              </a:spcAft>
+              <a:defRPr sz="1600" b="1" kern="1200">
+                <a:solidFill>
+                  <a:schemeClr val="dk1"/>
+                </a:solidFill>
+                <a:latin typeface="+mn-lt"/>
+                <a:ea typeface="+mn-ea"/>
+                <a:cs typeface="+mn-cs"/>
+              </a:defRPr>
+            </a:lvl4pPr>
+            <a:lvl5pPr marL="1828800" algn="ctr" rtl="0" eaLnBrk="0" fontAlgn="base" hangingPunct="0">
+              <a:spcBef>
+                <a:spcPct val="0"/>
+              </a:spcBef>
+              <a:spcAft>
+                <a:spcPct val="0"/>
+              </a:spcAft>
+              <a:defRPr sz="1600" b="1" kern="1200">
+                <a:solidFill>
+                  <a:schemeClr val="dk1"/>
+                </a:solidFill>
+                <a:latin typeface="+mn-lt"/>
+                <a:ea typeface="+mn-ea"/>
+                <a:cs typeface="+mn-cs"/>
+              </a:defRPr>
+            </a:lvl5pPr>
+            <a:lvl6pPr marL="2286000" algn="l" defTabSz="914400" rtl="0" eaLnBrk="1" latinLnBrk="0" hangingPunct="1">
+              <a:defRPr sz="1600" b="1" kern="1200">
+                <a:solidFill>
+                  <a:schemeClr val="dk1"/>
+                </a:solidFill>
+                <a:latin typeface="+mn-lt"/>
+                <a:ea typeface="+mn-ea"/>
+                <a:cs typeface="+mn-cs"/>
+              </a:defRPr>
+            </a:lvl6pPr>
+            <a:lvl7pPr marL="2743200" algn="l" defTabSz="914400" rtl="0" eaLnBrk="1" latinLnBrk="0" hangingPunct="1">
+              <a:defRPr sz="1600" b="1" kern="1200">
+                <a:solidFill>
+                  <a:schemeClr val="dk1"/>
+                </a:solidFill>
+                <a:latin typeface="+mn-lt"/>
+                <a:ea typeface="+mn-ea"/>
+                <a:cs typeface="+mn-cs"/>
+              </a:defRPr>
+            </a:lvl7pPr>
+            <a:lvl8pPr marL="3200400" algn="l" defTabSz="914400" rtl="0" eaLnBrk="1" latinLnBrk="0" hangingPunct="1">
+              <a:defRPr sz="1600" b="1" kern="1200">
+                <a:solidFill>
+                  <a:schemeClr val="dk1"/>
+                </a:solidFill>
+                <a:latin typeface="+mn-lt"/>
+                <a:ea typeface="+mn-ea"/>
+                <a:cs typeface="+mn-cs"/>
+              </a:defRPr>
+            </a:lvl8pPr>
+            <a:lvl9pPr marL="3657600" algn="l" defTabSz="914400" rtl="0" eaLnBrk="1" latinLnBrk="0" hangingPunct="1">
+              <a:defRPr sz="1600" b="1" kern="1200">
+                <a:solidFill>
+                  <a:schemeClr val="dk1"/>
+                </a:solidFill>
+                <a:latin typeface="+mn-lt"/>
+                <a:ea typeface="+mn-ea"/>
+                <a:cs typeface="+mn-cs"/>
+              </a:defRPr>
+            </a:lvl9pPr>
+          </a:lstStyle>
+          <a:p>
+            <a:pPr algn="ctr"/>
+            <a:r>
+              <a:rPr lang="en-US" sz="2000" dirty="0" smtClean="0">
+                <a:latin typeface="Tekton Pro" pitchFamily="34" charset="0"/>
+              </a:rPr>
+              <a:t>View</a:t>
+            </a:r>
+            <a:endParaRPr lang="en-US" sz="2000" dirty="0">
+              <a:latin typeface="Tekton Pro" pitchFamily="34" charset="0"/>
+            </a:endParaRPr>
+          </a:p>
+        </p:txBody>
+      </p:sp>
     </p:spTree>
     <p:extLst>
       <p:ext uri="{BB962C8B-B14F-4D97-AF65-F5344CB8AC3E}">
@@ -4190,187 +4556,13 @@
       </p:sp>
       <p:sp>
         <p:nvSpPr>
-          <p:cNvPr id="7" name="Oval 6"/>
-          <p:cNvSpPr/>
-          <p:nvPr/>
-        </p:nvSpPr>
-        <p:spPr bwMode="auto">
-          <a:xfrm>
-            <a:off x="3276600" y="1371600"/>
-            <a:ext cx="2209800" cy="1905000"/>
-          </a:xfrm>
-          <a:prstGeom prst="ellipse">
-            <a:avLst/>
-          </a:prstGeom>
-          <a:gradFill rotWithShape="1">
-            <a:gsLst>
-              <a:gs pos="0">
-                <a:srgbClr val="A4D289"/>
-              </a:gs>
-              <a:gs pos="100000">
-                <a:schemeClr val="bg1"/>
-              </a:gs>
-            </a:gsLst>
-            <a:lin ang="5400000" scaled="1"/>
-          </a:gradFill>
-          <a:ln w="9525" algn="ctr">
-            <a:solidFill>
-              <a:schemeClr val="tx1"/>
-            </a:solidFill>
-            <a:miter lim="800000"/>
-            <a:headEnd/>
-            <a:tailEnd/>
-          </a:ln>
-          <a:effectLst>
-            <a:outerShdw blurRad="50800" dist="38100" dir="2700000" algn="tl" rotWithShape="0">
-              <a:prstClr val="black">
-                <a:alpha val="40000"/>
-              </a:prstClr>
-            </a:outerShdw>
-          </a:effectLst>
-        </p:spPr>
-        <p:txBody>
-          <a:bodyPr wrap="none" rtlCol="0" anchor="ctr"/>
-          <a:lstStyle/>
-          <a:p>
-            <a:pPr algn="ctr"/>
-            <a:r>
-              <a:rPr lang="en-US" sz="2000" dirty="0" smtClean="0">
-                <a:latin typeface="Tekton Pro" pitchFamily="34" charset="0"/>
-              </a:rPr>
-              <a:t>Controller</a:t>
-            </a:r>
-            <a:endParaRPr lang="en-US" sz="2000" dirty="0">
-              <a:latin typeface="Tekton Pro" pitchFamily="34" charset="0"/>
-            </a:endParaRPr>
-          </a:p>
-        </p:txBody>
-      </p:sp>
-      <p:sp>
-        <p:nvSpPr>
-          <p:cNvPr id="8" name="Oval 7"/>
-          <p:cNvSpPr/>
-          <p:nvPr/>
-        </p:nvSpPr>
-        <p:spPr bwMode="auto">
-          <a:xfrm>
-            <a:off x="1219200" y="3657600"/>
-            <a:ext cx="2209800" cy="1905000"/>
-          </a:xfrm>
-          <a:prstGeom prst="ellipse">
-            <a:avLst/>
-          </a:prstGeom>
-          <a:gradFill rotWithShape="1">
-            <a:gsLst>
-              <a:gs pos="0">
-                <a:srgbClr val="A4D289"/>
-              </a:gs>
-              <a:gs pos="100000">
-                <a:schemeClr val="bg1"/>
-              </a:gs>
-            </a:gsLst>
-            <a:lin ang="5400000" scaled="1"/>
-          </a:gradFill>
-          <a:ln w="9525" algn="ctr">
-            <a:solidFill>
-              <a:schemeClr val="tx1"/>
-            </a:solidFill>
-            <a:miter lim="800000"/>
-            <a:headEnd/>
-            <a:tailEnd/>
-          </a:ln>
-          <a:effectLst>
-            <a:outerShdw blurRad="50800" dist="38100" dir="2700000" algn="tl" rotWithShape="0">
-              <a:prstClr val="black">
-                <a:alpha val="40000"/>
-              </a:prstClr>
-            </a:outerShdw>
-          </a:effectLst>
-        </p:spPr>
-        <p:txBody>
-          <a:bodyPr wrap="none" rtlCol="0" anchor="ctr"/>
-          <a:lstStyle/>
-          <a:p>
-            <a:pPr algn="ctr"/>
-            <a:r>
-              <a:rPr lang="en-US" sz="2000" dirty="0" smtClean="0">
-                <a:latin typeface="Tekton Pro" pitchFamily="34" charset="0"/>
-              </a:rPr>
-              <a:t>Model</a:t>
-            </a:r>
-            <a:endParaRPr lang="en-US" sz="2000" dirty="0">
-              <a:latin typeface="Tekton Pro" pitchFamily="34" charset="0"/>
-            </a:endParaRPr>
-          </a:p>
-        </p:txBody>
-      </p:sp>
-      <p:sp>
-        <p:nvSpPr>
-          <p:cNvPr id="9" name="Oval 8"/>
-          <p:cNvSpPr/>
-          <p:nvPr/>
-        </p:nvSpPr>
-        <p:spPr bwMode="auto">
-          <a:xfrm>
-            <a:off x="5486400" y="3581400"/>
-            <a:ext cx="2209800" cy="1905000"/>
-          </a:xfrm>
-          <a:prstGeom prst="ellipse">
-            <a:avLst/>
-          </a:prstGeom>
-          <a:gradFill rotWithShape="1">
-            <a:gsLst>
-              <a:gs pos="0">
-                <a:srgbClr val="A4D289"/>
-              </a:gs>
-              <a:gs pos="100000">
-                <a:schemeClr val="bg1"/>
-              </a:gs>
-            </a:gsLst>
-            <a:lin ang="5400000" scaled="1"/>
-          </a:gradFill>
-          <a:ln w="9525" algn="ctr">
-            <a:solidFill>
-              <a:schemeClr val="tx1"/>
-            </a:solidFill>
-            <a:miter lim="800000"/>
-            <a:headEnd/>
-            <a:tailEnd/>
-          </a:ln>
-          <a:effectLst>
-            <a:outerShdw blurRad="50800" dist="38100" dir="2700000" algn="tl" rotWithShape="0">
-              <a:prstClr val="black">
-                <a:alpha val="40000"/>
-              </a:prstClr>
-            </a:outerShdw>
-          </a:effectLst>
-        </p:spPr>
-        <p:txBody>
-          <a:bodyPr wrap="none" rtlCol="0" anchor="ctr"/>
-          <a:lstStyle/>
-          <a:p>
-            <a:pPr algn="ctr"/>
-            <a:r>
-              <a:rPr lang="en-US" sz="2000" dirty="0" smtClean="0">
-                <a:latin typeface="Tekton Pro" pitchFamily="34" charset="0"/>
-              </a:rPr>
-              <a:t>View</a:t>
-            </a:r>
-            <a:endParaRPr lang="en-US" sz="2000" dirty="0">
-              <a:latin typeface="Tekton Pro" pitchFamily="34" charset="0"/>
-            </a:endParaRPr>
-          </a:p>
-        </p:txBody>
-      </p:sp>
-      <p:sp>
-        <p:nvSpPr>
           <p:cNvPr id="10" name="Down Arrow 9"/>
           <p:cNvSpPr/>
           <p:nvPr/>
         </p:nvSpPr>
         <p:spPr bwMode="auto">
           <a:xfrm rot="19207364">
-            <a:off x="5265071" y="2850313"/>
+            <a:off x="5265071" y="2943348"/>
             <a:ext cx="685800" cy="990600"/>
           </a:xfrm>
           <a:prstGeom prst="downArrow">
@@ -4422,7 +4614,7 @@
         </p:nvSpPr>
         <p:spPr bwMode="auto">
           <a:xfrm rot="2489159">
-            <a:off x="2832878" y="2846088"/>
+            <a:off x="2832878" y="2769888"/>
             <a:ext cx="685800" cy="990600"/>
           </a:xfrm>
           <a:prstGeom prst="downArrow">
@@ -4512,6 +4704,546 @@
           <a:lstStyle/>
           <a:p>
             <a:pPr algn="ctr"/>
+            <a:endParaRPr lang="en-US" sz="2000" dirty="0">
+              <a:latin typeface="Tekton Pro" pitchFamily="34" charset="0"/>
+            </a:endParaRPr>
+          </a:p>
+        </p:txBody>
+      </p:sp>
+      <p:sp>
+        <p:nvSpPr>
+          <p:cNvPr id="16" name="Oval 15"/>
+          <p:cNvSpPr/>
+          <p:nvPr/>
+        </p:nvSpPr>
+        <p:spPr bwMode="auto">
+          <a:xfrm>
+            <a:off x="3390900" y="1333500"/>
+            <a:ext cx="2209800" cy="1905000"/>
+          </a:xfrm>
+          <a:prstGeom prst="ellipse">
+            <a:avLst/>
+          </a:prstGeom>
+          <a:solidFill>
+            <a:srgbClr val="D3D3A9"/>
+          </a:solidFill>
+          <a:ln>
+            <a:solidFill>
+              <a:schemeClr val="tx2"/>
+            </a:solidFill>
+            <a:headEnd/>
+            <a:tailEnd/>
+          </a:ln>
+        </p:spPr>
+        <p:style>
+          <a:lnRef idx="1">
+            <a:schemeClr val="accent1"/>
+          </a:lnRef>
+          <a:fillRef idx="2">
+            <a:schemeClr val="accent1"/>
+          </a:fillRef>
+          <a:effectRef idx="1">
+            <a:schemeClr val="accent1"/>
+          </a:effectRef>
+          <a:fontRef idx="minor">
+            <a:schemeClr val="dk1"/>
+          </a:fontRef>
+        </p:style>
+        <p:txBody>
+          <a:bodyPr wrap="none" rtlCol="0" anchor="ctr"/>
+          <a:lstStyle>
+            <a:defPPr>
+              <a:defRPr lang="en-US"/>
+            </a:defPPr>
+            <a:lvl1pPr algn="ctr" rtl="0" eaLnBrk="0" fontAlgn="base" hangingPunct="0">
+              <a:spcBef>
+                <a:spcPct val="0"/>
+              </a:spcBef>
+              <a:spcAft>
+                <a:spcPct val="0"/>
+              </a:spcAft>
+              <a:defRPr sz="1600" b="1" kern="1200">
+                <a:solidFill>
+                  <a:schemeClr val="dk1"/>
+                </a:solidFill>
+                <a:latin typeface="+mn-lt"/>
+                <a:ea typeface="+mn-ea"/>
+                <a:cs typeface="+mn-cs"/>
+              </a:defRPr>
+            </a:lvl1pPr>
+            <a:lvl2pPr marL="457200" algn="ctr" rtl="0" eaLnBrk="0" fontAlgn="base" hangingPunct="0">
+              <a:spcBef>
+                <a:spcPct val="0"/>
+              </a:spcBef>
+              <a:spcAft>
+                <a:spcPct val="0"/>
+              </a:spcAft>
+              <a:defRPr sz="1600" b="1" kern="1200">
+                <a:solidFill>
+                  <a:schemeClr val="dk1"/>
+                </a:solidFill>
+                <a:latin typeface="+mn-lt"/>
+                <a:ea typeface="+mn-ea"/>
+                <a:cs typeface="+mn-cs"/>
+              </a:defRPr>
+            </a:lvl2pPr>
+            <a:lvl3pPr marL="914400" algn="ctr" rtl="0" eaLnBrk="0" fontAlgn="base" hangingPunct="0">
+              <a:spcBef>
+                <a:spcPct val="0"/>
+              </a:spcBef>
+              <a:spcAft>
+                <a:spcPct val="0"/>
+              </a:spcAft>
+              <a:defRPr sz="1600" b="1" kern="1200">
+                <a:solidFill>
+                  <a:schemeClr val="dk1"/>
+                </a:solidFill>
+                <a:latin typeface="+mn-lt"/>
+                <a:ea typeface="+mn-ea"/>
+                <a:cs typeface="+mn-cs"/>
+              </a:defRPr>
+            </a:lvl3pPr>
+            <a:lvl4pPr marL="1371600" algn="ctr" rtl="0" eaLnBrk="0" fontAlgn="base" hangingPunct="0">
+              <a:spcBef>
+                <a:spcPct val="0"/>
+              </a:spcBef>
+              <a:spcAft>
+                <a:spcPct val="0"/>
+              </a:spcAft>
+              <a:defRPr sz="1600" b="1" kern="1200">
+                <a:solidFill>
+                  <a:schemeClr val="dk1"/>
+                </a:solidFill>
+                <a:latin typeface="+mn-lt"/>
+                <a:ea typeface="+mn-ea"/>
+                <a:cs typeface="+mn-cs"/>
+              </a:defRPr>
+            </a:lvl4pPr>
+            <a:lvl5pPr marL="1828800" algn="ctr" rtl="0" eaLnBrk="0" fontAlgn="base" hangingPunct="0">
+              <a:spcBef>
+                <a:spcPct val="0"/>
+              </a:spcBef>
+              <a:spcAft>
+                <a:spcPct val="0"/>
+              </a:spcAft>
+              <a:defRPr sz="1600" b="1" kern="1200">
+                <a:solidFill>
+                  <a:schemeClr val="dk1"/>
+                </a:solidFill>
+                <a:latin typeface="+mn-lt"/>
+                <a:ea typeface="+mn-ea"/>
+                <a:cs typeface="+mn-cs"/>
+              </a:defRPr>
+            </a:lvl5pPr>
+            <a:lvl6pPr marL="2286000" algn="l" defTabSz="914400" rtl="0" eaLnBrk="1" latinLnBrk="0" hangingPunct="1">
+              <a:defRPr sz="1600" b="1" kern="1200">
+                <a:solidFill>
+                  <a:schemeClr val="dk1"/>
+                </a:solidFill>
+                <a:latin typeface="+mn-lt"/>
+                <a:ea typeface="+mn-ea"/>
+                <a:cs typeface="+mn-cs"/>
+              </a:defRPr>
+            </a:lvl6pPr>
+            <a:lvl7pPr marL="2743200" algn="l" defTabSz="914400" rtl="0" eaLnBrk="1" latinLnBrk="0" hangingPunct="1">
+              <a:defRPr sz="1600" b="1" kern="1200">
+                <a:solidFill>
+                  <a:schemeClr val="dk1"/>
+                </a:solidFill>
+                <a:latin typeface="+mn-lt"/>
+                <a:ea typeface="+mn-ea"/>
+                <a:cs typeface="+mn-cs"/>
+              </a:defRPr>
+            </a:lvl7pPr>
+            <a:lvl8pPr marL="3200400" algn="l" defTabSz="914400" rtl="0" eaLnBrk="1" latinLnBrk="0" hangingPunct="1">
+              <a:defRPr sz="1600" b="1" kern="1200">
+                <a:solidFill>
+                  <a:schemeClr val="dk1"/>
+                </a:solidFill>
+                <a:latin typeface="+mn-lt"/>
+                <a:ea typeface="+mn-ea"/>
+                <a:cs typeface="+mn-cs"/>
+              </a:defRPr>
+            </a:lvl8pPr>
+            <a:lvl9pPr marL="3657600" algn="l" defTabSz="914400" rtl="0" eaLnBrk="1" latinLnBrk="0" hangingPunct="1">
+              <a:defRPr sz="1600" b="1" kern="1200">
+                <a:solidFill>
+                  <a:schemeClr val="dk1"/>
+                </a:solidFill>
+                <a:latin typeface="+mn-lt"/>
+                <a:ea typeface="+mn-ea"/>
+                <a:cs typeface="+mn-cs"/>
+              </a:defRPr>
+            </a:lvl9pPr>
+          </a:lstStyle>
+          <a:p>
+            <a:pPr algn="ctr"/>
+            <a:r>
+              <a:rPr lang="en-US" sz="2000" dirty="0" smtClean="0">
+                <a:latin typeface="Tekton Pro" pitchFamily="34" charset="0"/>
+              </a:rPr>
+              <a:t>Controller</a:t>
+            </a:r>
+            <a:endParaRPr lang="en-US" sz="2000" dirty="0">
+              <a:latin typeface="Tekton Pro" pitchFamily="34" charset="0"/>
+            </a:endParaRPr>
+          </a:p>
+        </p:txBody>
+      </p:sp>
+      <p:sp>
+        <p:nvSpPr>
+          <p:cNvPr id="17" name="Oval 16"/>
+          <p:cNvSpPr/>
+          <p:nvPr/>
+        </p:nvSpPr>
+        <p:spPr bwMode="auto">
+          <a:xfrm>
+            <a:off x="1333500" y="3619500"/>
+            <a:ext cx="2209800" cy="1905000"/>
+          </a:xfrm>
+          <a:prstGeom prst="ellipse">
+            <a:avLst/>
+          </a:prstGeom>
+          <a:solidFill>
+            <a:srgbClr val="D3D3A9"/>
+          </a:solidFill>
+          <a:ln>
+            <a:solidFill>
+              <a:schemeClr val="tx2"/>
+            </a:solidFill>
+            <a:headEnd/>
+            <a:tailEnd/>
+          </a:ln>
+        </p:spPr>
+        <p:style>
+          <a:lnRef idx="1">
+            <a:schemeClr val="accent1"/>
+          </a:lnRef>
+          <a:fillRef idx="2">
+            <a:schemeClr val="accent1"/>
+          </a:fillRef>
+          <a:effectRef idx="1">
+            <a:schemeClr val="accent1"/>
+          </a:effectRef>
+          <a:fontRef idx="minor">
+            <a:schemeClr val="dk1"/>
+          </a:fontRef>
+        </p:style>
+        <p:txBody>
+          <a:bodyPr wrap="none" rtlCol="0" anchor="ctr"/>
+          <a:lstStyle>
+            <a:defPPr>
+              <a:defRPr lang="en-US"/>
+            </a:defPPr>
+            <a:lvl1pPr algn="ctr" rtl="0" eaLnBrk="0" fontAlgn="base" hangingPunct="0">
+              <a:spcBef>
+                <a:spcPct val="0"/>
+              </a:spcBef>
+              <a:spcAft>
+                <a:spcPct val="0"/>
+              </a:spcAft>
+              <a:defRPr sz="1600" b="1" kern="1200">
+                <a:solidFill>
+                  <a:schemeClr val="dk1"/>
+                </a:solidFill>
+                <a:latin typeface="+mn-lt"/>
+                <a:ea typeface="+mn-ea"/>
+                <a:cs typeface="+mn-cs"/>
+              </a:defRPr>
+            </a:lvl1pPr>
+            <a:lvl2pPr marL="457200" algn="ctr" rtl="0" eaLnBrk="0" fontAlgn="base" hangingPunct="0">
+              <a:spcBef>
+                <a:spcPct val="0"/>
+              </a:spcBef>
+              <a:spcAft>
+                <a:spcPct val="0"/>
+              </a:spcAft>
+              <a:defRPr sz="1600" b="1" kern="1200">
+                <a:solidFill>
+                  <a:schemeClr val="dk1"/>
+                </a:solidFill>
+                <a:latin typeface="+mn-lt"/>
+                <a:ea typeface="+mn-ea"/>
+                <a:cs typeface="+mn-cs"/>
+              </a:defRPr>
+            </a:lvl2pPr>
+            <a:lvl3pPr marL="914400" algn="ctr" rtl="0" eaLnBrk="0" fontAlgn="base" hangingPunct="0">
+              <a:spcBef>
+                <a:spcPct val="0"/>
+              </a:spcBef>
+              <a:spcAft>
+                <a:spcPct val="0"/>
+              </a:spcAft>
+              <a:defRPr sz="1600" b="1" kern="1200">
+                <a:solidFill>
+                  <a:schemeClr val="dk1"/>
+                </a:solidFill>
+                <a:latin typeface="+mn-lt"/>
+                <a:ea typeface="+mn-ea"/>
+                <a:cs typeface="+mn-cs"/>
+              </a:defRPr>
+            </a:lvl3pPr>
+            <a:lvl4pPr marL="1371600" algn="ctr" rtl="0" eaLnBrk="0" fontAlgn="base" hangingPunct="0">
+              <a:spcBef>
+                <a:spcPct val="0"/>
+              </a:spcBef>
+              <a:spcAft>
+                <a:spcPct val="0"/>
+              </a:spcAft>
+              <a:defRPr sz="1600" b="1" kern="1200">
+                <a:solidFill>
+                  <a:schemeClr val="dk1"/>
+                </a:solidFill>
+                <a:latin typeface="+mn-lt"/>
+                <a:ea typeface="+mn-ea"/>
+                <a:cs typeface="+mn-cs"/>
+              </a:defRPr>
+            </a:lvl4pPr>
+            <a:lvl5pPr marL="1828800" algn="ctr" rtl="0" eaLnBrk="0" fontAlgn="base" hangingPunct="0">
+              <a:spcBef>
+                <a:spcPct val="0"/>
+              </a:spcBef>
+              <a:spcAft>
+                <a:spcPct val="0"/>
+              </a:spcAft>
+              <a:defRPr sz="1600" b="1" kern="1200">
+                <a:solidFill>
+                  <a:schemeClr val="dk1"/>
+                </a:solidFill>
+                <a:latin typeface="+mn-lt"/>
+                <a:ea typeface="+mn-ea"/>
+                <a:cs typeface="+mn-cs"/>
+              </a:defRPr>
+            </a:lvl5pPr>
+            <a:lvl6pPr marL="2286000" algn="l" defTabSz="914400" rtl="0" eaLnBrk="1" latinLnBrk="0" hangingPunct="1">
+              <a:defRPr sz="1600" b="1" kern="1200">
+                <a:solidFill>
+                  <a:schemeClr val="dk1"/>
+                </a:solidFill>
+                <a:latin typeface="+mn-lt"/>
+                <a:ea typeface="+mn-ea"/>
+                <a:cs typeface="+mn-cs"/>
+              </a:defRPr>
+            </a:lvl6pPr>
+            <a:lvl7pPr marL="2743200" algn="l" defTabSz="914400" rtl="0" eaLnBrk="1" latinLnBrk="0" hangingPunct="1">
+              <a:defRPr sz="1600" b="1" kern="1200">
+                <a:solidFill>
+                  <a:schemeClr val="dk1"/>
+                </a:solidFill>
+                <a:latin typeface="+mn-lt"/>
+                <a:ea typeface="+mn-ea"/>
+                <a:cs typeface="+mn-cs"/>
+              </a:defRPr>
+            </a:lvl7pPr>
+            <a:lvl8pPr marL="3200400" algn="l" defTabSz="914400" rtl="0" eaLnBrk="1" latinLnBrk="0" hangingPunct="1">
+              <a:defRPr sz="1600" b="1" kern="1200">
+                <a:solidFill>
+                  <a:schemeClr val="dk1"/>
+                </a:solidFill>
+                <a:latin typeface="+mn-lt"/>
+                <a:ea typeface="+mn-ea"/>
+                <a:cs typeface="+mn-cs"/>
+              </a:defRPr>
+            </a:lvl8pPr>
+            <a:lvl9pPr marL="3657600" algn="l" defTabSz="914400" rtl="0" eaLnBrk="1" latinLnBrk="0" hangingPunct="1">
+              <a:defRPr sz="1600" b="1" kern="1200">
+                <a:solidFill>
+                  <a:schemeClr val="dk1"/>
+                </a:solidFill>
+                <a:latin typeface="+mn-lt"/>
+                <a:ea typeface="+mn-ea"/>
+                <a:cs typeface="+mn-cs"/>
+              </a:defRPr>
+            </a:lvl9pPr>
+          </a:lstStyle>
+          <a:p>
+            <a:pPr algn="ctr"/>
+            <a:r>
+              <a:rPr lang="en-US" sz="2000" dirty="0" smtClean="0">
+                <a:latin typeface="Tekton Pro" pitchFamily="34" charset="0"/>
+              </a:rPr>
+              <a:t>Model</a:t>
+            </a:r>
+            <a:endParaRPr lang="en-US" sz="2000" dirty="0">
+              <a:latin typeface="Tekton Pro" pitchFamily="34" charset="0"/>
+            </a:endParaRPr>
+          </a:p>
+        </p:txBody>
+      </p:sp>
+      <p:sp>
+        <p:nvSpPr>
+          <p:cNvPr id="18" name="Oval 17"/>
+          <p:cNvSpPr/>
+          <p:nvPr/>
+        </p:nvSpPr>
+        <p:spPr bwMode="auto">
+          <a:xfrm>
+            <a:off x="5600700" y="3543300"/>
+            <a:ext cx="2209800" cy="1905000"/>
+          </a:xfrm>
+          <a:prstGeom prst="ellipse">
+            <a:avLst/>
+          </a:prstGeom>
+          <a:solidFill>
+            <a:srgbClr val="D3D3A9"/>
+          </a:solidFill>
+          <a:ln>
+            <a:solidFill>
+              <a:schemeClr val="tx2"/>
+            </a:solidFill>
+            <a:headEnd/>
+            <a:tailEnd/>
+          </a:ln>
+        </p:spPr>
+        <p:style>
+          <a:lnRef idx="1">
+            <a:schemeClr val="accent1"/>
+          </a:lnRef>
+          <a:fillRef idx="2">
+            <a:schemeClr val="accent1"/>
+          </a:fillRef>
+          <a:effectRef idx="1">
+            <a:schemeClr val="accent1"/>
+          </a:effectRef>
+          <a:fontRef idx="minor">
+            <a:schemeClr val="dk1"/>
+          </a:fontRef>
+        </p:style>
+        <p:txBody>
+          <a:bodyPr wrap="none" rtlCol="0" anchor="ctr"/>
+          <a:lstStyle>
+            <a:defPPr>
+              <a:defRPr lang="en-US"/>
+            </a:defPPr>
+            <a:lvl1pPr algn="ctr" rtl="0" eaLnBrk="0" fontAlgn="base" hangingPunct="0">
+              <a:spcBef>
+                <a:spcPct val="0"/>
+              </a:spcBef>
+              <a:spcAft>
+                <a:spcPct val="0"/>
+              </a:spcAft>
+              <a:defRPr sz="1600" b="1" kern="1200">
+                <a:solidFill>
+                  <a:schemeClr val="dk1"/>
+                </a:solidFill>
+                <a:latin typeface="+mn-lt"/>
+                <a:ea typeface="+mn-ea"/>
+                <a:cs typeface="+mn-cs"/>
+              </a:defRPr>
+            </a:lvl1pPr>
+            <a:lvl2pPr marL="457200" algn="ctr" rtl="0" eaLnBrk="0" fontAlgn="base" hangingPunct="0">
+              <a:spcBef>
+                <a:spcPct val="0"/>
+              </a:spcBef>
+              <a:spcAft>
+                <a:spcPct val="0"/>
+              </a:spcAft>
+              <a:defRPr sz="1600" b="1" kern="1200">
+                <a:solidFill>
+                  <a:schemeClr val="dk1"/>
+                </a:solidFill>
+                <a:latin typeface="+mn-lt"/>
+                <a:ea typeface="+mn-ea"/>
+                <a:cs typeface="+mn-cs"/>
+              </a:defRPr>
+            </a:lvl2pPr>
+            <a:lvl3pPr marL="914400" algn="ctr" rtl="0" eaLnBrk="0" fontAlgn="base" hangingPunct="0">
+              <a:spcBef>
+                <a:spcPct val="0"/>
+              </a:spcBef>
+              <a:spcAft>
+                <a:spcPct val="0"/>
+              </a:spcAft>
+              <a:defRPr sz="1600" b="1" kern="1200">
+                <a:solidFill>
+                  <a:schemeClr val="dk1"/>
+                </a:solidFill>
+                <a:latin typeface="+mn-lt"/>
+                <a:ea typeface="+mn-ea"/>
+                <a:cs typeface="+mn-cs"/>
+              </a:defRPr>
+            </a:lvl3pPr>
+            <a:lvl4pPr marL="1371600" algn="ctr" rtl="0" eaLnBrk="0" fontAlgn="base" hangingPunct="0">
+              <a:spcBef>
+                <a:spcPct val="0"/>
+              </a:spcBef>
+              <a:spcAft>
+                <a:spcPct val="0"/>
+              </a:spcAft>
+              <a:defRPr sz="1600" b="1" kern="1200">
+                <a:solidFill>
+                  <a:schemeClr val="dk1"/>
+                </a:solidFill>
+                <a:latin typeface="+mn-lt"/>
+                <a:ea typeface="+mn-ea"/>
+                <a:cs typeface="+mn-cs"/>
+              </a:defRPr>
+            </a:lvl4pPr>
+            <a:lvl5pPr marL="1828800" algn="ctr" rtl="0" eaLnBrk="0" fontAlgn="base" hangingPunct="0">
+              <a:spcBef>
+                <a:spcPct val="0"/>
+              </a:spcBef>
+              <a:spcAft>
+                <a:spcPct val="0"/>
+              </a:spcAft>
+              <a:defRPr sz="1600" b="1" kern="1200">
+                <a:solidFill>
+                  <a:schemeClr val="dk1"/>
+                </a:solidFill>
+                <a:latin typeface="+mn-lt"/>
+                <a:ea typeface="+mn-ea"/>
+                <a:cs typeface="+mn-cs"/>
+              </a:defRPr>
+            </a:lvl5pPr>
+            <a:lvl6pPr marL="2286000" algn="l" defTabSz="914400" rtl="0" eaLnBrk="1" latinLnBrk="0" hangingPunct="1">
+              <a:defRPr sz="1600" b="1" kern="1200">
+                <a:solidFill>
+                  <a:schemeClr val="dk1"/>
+                </a:solidFill>
+                <a:latin typeface="+mn-lt"/>
+                <a:ea typeface="+mn-ea"/>
+                <a:cs typeface="+mn-cs"/>
+              </a:defRPr>
+            </a:lvl6pPr>
+            <a:lvl7pPr marL="2743200" algn="l" defTabSz="914400" rtl="0" eaLnBrk="1" latinLnBrk="0" hangingPunct="1">
+              <a:defRPr sz="1600" b="1" kern="1200">
+                <a:solidFill>
+                  <a:schemeClr val="dk1"/>
+                </a:solidFill>
+                <a:latin typeface="+mn-lt"/>
+                <a:ea typeface="+mn-ea"/>
+                <a:cs typeface="+mn-cs"/>
+              </a:defRPr>
+            </a:lvl7pPr>
+            <a:lvl8pPr marL="3200400" algn="l" defTabSz="914400" rtl="0" eaLnBrk="1" latinLnBrk="0" hangingPunct="1">
+              <a:defRPr sz="1600" b="1" kern="1200">
+                <a:solidFill>
+                  <a:schemeClr val="dk1"/>
+                </a:solidFill>
+                <a:latin typeface="+mn-lt"/>
+                <a:ea typeface="+mn-ea"/>
+                <a:cs typeface="+mn-cs"/>
+              </a:defRPr>
+            </a:lvl8pPr>
+            <a:lvl9pPr marL="3657600" algn="l" defTabSz="914400" rtl="0" eaLnBrk="1" latinLnBrk="0" hangingPunct="1">
+              <a:defRPr sz="1600" b="1" kern="1200">
+                <a:solidFill>
+                  <a:schemeClr val="dk1"/>
+                </a:solidFill>
+                <a:latin typeface="+mn-lt"/>
+                <a:ea typeface="+mn-ea"/>
+                <a:cs typeface="+mn-cs"/>
+              </a:defRPr>
+            </a:lvl9pPr>
+          </a:lstStyle>
+          <a:p>
+            <a:pPr algn="ctr"/>
+            <a:r>
+              <a:rPr lang="en-US" sz="2000" dirty="0" smtClean="0">
+                <a:latin typeface="Tekton Pro" pitchFamily="34" charset="0"/>
+              </a:rPr>
+              <a:t>View</a:t>
+            </a:r>
             <a:endParaRPr lang="en-US" sz="2000" dirty="0">
               <a:latin typeface="Tekton Pro" pitchFamily="34" charset="0"/>
             </a:endParaRPr>
@@ -5220,11 +5952,7 @@
           <a:p>
             <a:r>
               <a:rPr lang="en-US" dirty="0" smtClean="0"/>
-              <a:t>Provides access to HTTP context, current user, request, </a:t>
-            </a:r>
-            <a:r>
-              <a:rPr lang="en-US" dirty="0" smtClean="0"/>
-              <a:t>response</a:t>
+              <a:t>Provides access to HTTP context, current user, request, response</a:t>
             </a:r>
           </a:p>
           <a:p>

--- a/aspnet5/slides/04_Controllers.pptx
+++ b/aspnet5/slides/04_Controllers.pptx
@@ -303,7 +303,7 @@
               <a:pPr>
                 <a:defRPr/>
               </a:pPr>
-              <a:t>9/11/2015</a:t>
+              <a:t>2/22/2017</a:t>
             </a:fld>
             <a:endParaRPr lang="en-US"/>
           </a:p>
@@ -577,35 +577,35 @@
           <a:p>
             <a:pPr lvl="0"/>
             <a:r>
-              <a:rPr lang="en-US" noProof="0" smtClean="0"/>
+              <a:rPr lang="en-US" noProof="0"/>
               <a:t>Click to edit Master text styles</a:t>
             </a:r>
           </a:p>
           <a:p>
             <a:pPr lvl="1"/>
             <a:r>
-              <a:rPr lang="en-US" noProof="0" smtClean="0"/>
+              <a:rPr lang="en-US" noProof="0"/>
               <a:t>Second level</a:t>
             </a:r>
           </a:p>
           <a:p>
             <a:pPr lvl="2"/>
             <a:r>
-              <a:rPr lang="en-US" noProof="0" smtClean="0"/>
+              <a:rPr lang="en-US" noProof="0"/>
               <a:t>Third level</a:t>
             </a:r>
           </a:p>
           <a:p>
             <a:pPr lvl="3"/>
             <a:r>
-              <a:rPr lang="en-US" noProof="0" smtClean="0"/>
+              <a:rPr lang="en-US" noProof="0"/>
               <a:t>Fourth level</a:t>
             </a:r>
           </a:p>
           <a:p>
             <a:pPr lvl="4"/>
             <a:r>
-              <a:rPr lang="en-US" noProof="0" smtClean="0"/>
+              <a:rPr lang="en-US" noProof="0"/>
               <a:t>Fifth level</a:t>
             </a:r>
           </a:p>
@@ -886,7 +886,7 @@
               <a:pPr/>
               <a:t>1</a:t>
             </a:fld>
-            <a:endParaRPr lang="en-US" smtClean="0"/>
+            <a:endParaRPr lang="en-US"/>
           </a:p>
         </p:txBody>
       </p:sp>
@@ -927,7 +927,7 @@
           <a:lstStyle/>
           <a:p>
             <a:pPr eaLnBrk="1" hangingPunct="1"/>
-            <a:endParaRPr lang="en-US" smtClean="0"/>
+            <a:endParaRPr lang="en-US"/>
           </a:p>
         </p:txBody>
       </p:sp>
@@ -991,10 +991,9 @@
           <a:lstStyle/>
           <a:p>
             <a:r>
-              <a:rPr lang="en-US" dirty="0" smtClean="0"/>
+              <a:rPr lang="en-US" dirty="0"/>
               <a:t>Routing has other uses outside of ASP.NET MVC</a:t>
             </a:r>
-            <a:endParaRPr lang="en-US" dirty="0"/>
           </a:p>
         </p:txBody>
       </p:sp>
@@ -1176,7 +1175,7 @@
           </a:lstStyle>
           <a:p>
             <a:r>
-              <a:rPr lang="en-US" smtClean="0"/>
+              <a:rPr lang="en-US"/>
               <a:t>Click to edit Master title style</a:t>
             </a:r>
             <a:endParaRPr lang="en-US" dirty="0"/>
@@ -1212,7 +1211,7 @@
           </a:lstStyle>
           <a:p>
             <a:r>
-              <a:rPr lang="en-US" smtClean="0"/>
+              <a:rPr lang="en-US"/>
               <a:t>Click to edit Master subtitle style</a:t>
             </a:r>
             <a:endParaRPr lang="en-US" dirty="0"/>
@@ -1309,10 +1308,9 @@
           <a:lstStyle/>
           <a:p>
             <a:r>
-              <a:rPr lang="en-US" smtClean="0"/>
+              <a:rPr lang="en-US"/>
               <a:t>Click to edit Master title style</a:t>
             </a:r>
-            <a:endParaRPr lang="en-US"/>
           </a:p>
         </p:txBody>
       </p:sp>
@@ -1353,7 +1351,7 @@
           <a:p>
             <a:pPr lvl="0"/>
             <a:r>
-              <a:rPr lang="en-US" smtClean="0"/>
+              <a:rPr lang="en-US"/>
               <a:t>Click to edit Master text styles</a:t>
             </a:r>
           </a:p>
@@ -1403,10 +1401,9 @@
           <a:lstStyle/>
           <a:p>
             <a:r>
-              <a:rPr lang="en-US" smtClean="0"/>
+              <a:rPr lang="en-US"/>
               <a:t>Click to edit Master title style</a:t>
             </a:r>
-            <a:endParaRPr lang="en-US"/>
           </a:p>
         </p:txBody>
       </p:sp>
@@ -1462,7 +1459,7 @@
           </a:lstStyle>
           <a:p>
             <a:r>
-              <a:rPr lang="en-US" smtClean="0"/>
+              <a:rPr lang="en-US"/>
               <a:t>Click to edit Master title style</a:t>
             </a:r>
             <a:endParaRPr lang="en-US" dirty="0"/>
@@ -1527,35 +1524,35 @@
           <a:p>
             <a:pPr lvl="0"/>
             <a:r>
-              <a:rPr lang="en-US" smtClean="0"/>
+              <a:rPr lang="en-US"/>
               <a:t>Click to edit Master text styles</a:t>
             </a:r>
           </a:p>
           <a:p>
             <a:pPr lvl="1"/>
             <a:r>
-              <a:rPr lang="en-US" smtClean="0"/>
+              <a:rPr lang="en-US"/>
               <a:t>Second level</a:t>
             </a:r>
           </a:p>
           <a:p>
             <a:pPr lvl="2"/>
             <a:r>
-              <a:rPr lang="en-US" smtClean="0"/>
+              <a:rPr lang="en-US"/>
               <a:t>Third level</a:t>
             </a:r>
           </a:p>
           <a:p>
             <a:pPr lvl="3"/>
             <a:r>
-              <a:rPr lang="en-US" smtClean="0"/>
+              <a:rPr lang="en-US"/>
               <a:t>Fourth level</a:t>
             </a:r>
           </a:p>
           <a:p>
             <a:pPr lvl="4"/>
             <a:r>
-              <a:rPr lang="en-US" smtClean="0"/>
+              <a:rPr lang="en-US"/>
               <a:t>Fifth level</a:t>
             </a:r>
             <a:endParaRPr lang="en-US" dirty="0"/>
@@ -1619,10 +1616,9 @@
           </a:lstStyle>
           <a:p>
             <a:r>
-              <a:rPr lang="en-US" dirty="0" smtClean="0"/>
+              <a:rPr lang="en-US" dirty="0"/>
               <a:t>References</a:t>
             </a:r>
-            <a:endParaRPr lang="en-US" dirty="0"/>
           </a:p>
         </p:txBody>
       </p:sp>
@@ -1684,35 +1680,35 @@
           <a:p>
             <a:pPr lvl="0"/>
             <a:r>
-              <a:rPr lang="en-US" smtClean="0"/>
+              <a:rPr lang="en-US"/>
               <a:t>Click to edit Master text styles</a:t>
             </a:r>
           </a:p>
           <a:p>
             <a:pPr lvl="1"/>
             <a:r>
-              <a:rPr lang="en-US" smtClean="0"/>
+              <a:rPr lang="en-US"/>
               <a:t>Second level</a:t>
             </a:r>
           </a:p>
           <a:p>
             <a:pPr lvl="2"/>
             <a:r>
-              <a:rPr lang="en-US" smtClean="0"/>
+              <a:rPr lang="en-US"/>
               <a:t>Third level</a:t>
             </a:r>
           </a:p>
           <a:p>
             <a:pPr lvl="3"/>
             <a:r>
-              <a:rPr lang="en-US" smtClean="0"/>
+              <a:rPr lang="en-US"/>
               <a:t>Fourth level</a:t>
             </a:r>
           </a:p>
           <a:p>
             <a:pPr lvl="4"/>
             <a:r>
-              <a:rPr lang="en-US" smtClean="0"/>
+              <a:rPr lang="en-US"/>
               <a:t>Fifth level</a:t>
             </a:r>
             <a:endParaRPr lang="en-US" dirty="0"/>
@@ -1768,10 +1764,9 @@
           <a:lstStyle/>
           <a:p>
             <a:r>
-              <a:rPr lang="en-US" smtClean="0"/>
+              <a:rPr lang="en-US"/>
               <a:t>Click to edit Master title style</a:t>
             </a:r>
-            <a:endParaRPr lang="en-US"/>
           </a:p>
         </p:txBody>
       </p:sp>
@@ -1812,7 +1807,7 @@
           <a:p>
             <a:pPr lvl="0"/>
             <a:r>
-              <a:rPr lang="en-US" smtClean="0"/>
+              <a:rPr lang="en-US"/>
               <a:t>Click to edit Master text styles</a:t>
             </a:r>
           </a:p>
@@ -1867,10 +1862,9 @@
           <a:lstStyle/>
           <a:p>
             <a:r>
-              <a:rPr lang="en-US" smtClean="0"/>
+              <a:rPr lang="en-US"/>
               <a:t>Click to edit Master title style</a:t>
             </a:r>
-            <a:endParaRPr lang="en-US"/>
           </a:p>
         </p:txBody>
       </p:sp>
@@ -1923,10 +1917,9 @@
           <a:lstStyle/>
           <a:p>
             <a:r>
-              <a:rPr lang="en-US" smtClean="0"/>
+              <a:rPr lang="en-US"/>
               <a:t>Click to edit Master title style</a:t>
             </a:r>
-            <a:endParaRPr lang="en-US"/>
           </a:p>
         </p:txBody>
       </p:sp>
@@ -1967,7 +1960,7 @@
           <a:p>
             <a:pPr lvl="0"/>
             <a:r>
-              <a:rPr lang="en-US" smtClean="0"/>
+              <a:rPr lang="en-US"/>
               <a:t>Click to edit Master text styles</a:t>
             </a:r>
           </a:p>
@@ -2022,10 +2015,9 @@
           <a:lstStyle/>
           <a:p>
             <a:r>
-              <a:rPr lang="en-US" smtClean="0"/>
+              <a:rPr lang="en-US"/>
               <a:t>Click to edit Master title style</a:t>
             </a:r>
-            <a:endParaRPr lang="en-US"/>
           </a:p>
         </p:txBody>
       </p:sp>
@@ -2078,10 +2070,9 @@
           <a:lstStyle/>
           <a:p>
             <a:r>
-              <a:rPr lang="en-US" smtClean="0"/>
+              <a:rPr lang="en-US"/>
               <a:t>Click to edit Master title style</a:t>
             </a:r>
-            <a:endParaRPr lang="en-US"/>
           </a:p>
         </p:txBody>
       </p:sp>
@@ -2122,7 +2113,7 @@
           <a:p>
             <a:pPr lvl="0"/>
             <a:r>
-              <a:rPr lang="en-US" smtClean="0"/>
+              <a:rPr lang="en-US"/>
               <a:t>Click to edit Master text styles</a:t>
             </a:r>
           </a:p>
@@ -2177,10 +2168,9 @@
           <a:lstStyle/>
           <a:p>
             <a:r>
-              <a:rPr lang="en-US" smtClean="0"/>
+              <a:rPr lang="en-US"/>
               <a:t>Click to edit Master title style</a:t>
             </a:r>
-            <a:endParaRPr lang="en-US"/>
           </a:p>
         </p:txBody>
       </p:sp>
@@ -2261,35 +2251,35 @@
           <a:p>
             <a:pPr lvl="0"/>
             <a:r>
-              <a:rPr lang="en-US" smtClean="0"/>
+              <a:rPr lang="en-US"/>
               <a:t>Click to edit Master text styles</a:t>
             </a:r>
           </a:p>
           <a:p>
             <a:pPr lvl="1"/>
             <a:r>
-              <a:rPr lang="en-US" smtClean="0"/>
+              <a:rPr lang="en-US"/>
               <a:t>Second level</a:t>
             </a:r>
           </a:p>
           <a:p>
             <a:pPr lvl="2"/>
             <a:r>
-              <a:rPr lang="en-US" smtClean="0"/>
+              <a:rPr lang="en-US"/>
               <a:t>Third level</a:t>
             </a:r>
           </a:p>
           <a:p>
             <a:pPr lvl="3"/>
             <a:r>
-              <a:rPr lang="en-US" smtClean="0"/>
+              <a:rPr lang="en-US"/>
               <a:t>Fourth level</a:t>
             </a:r>
           </a:p>
           <a:p>
             <a:pPr lvl="4"/>
             <a:r>
-              <a:rPr lang="en-US" smtClean="0"/>
+              <a:rPr lang="en-US"/>
               <a:t>Fifth level</a:t>
             </a:r>
           </a:p>
@@ -2331,7 +2321,7 @@
           <a:p>
             <a:pPr lvl="0"/>
             <a:r>
-              <a:rPr lang="en-US" smtClean="0"/>
+              <a:rPr lang="en-US"/>
               <a:t>Click to edit Master title style</a:t>
             </a:r>
           </a:p>
@@ -2447,13 +2437,6 @@
   <p:transition>
     <p:fade/>
   </p:transition>
-  <p:timing>
-    <p:tnLst>
-      <p:par>
-        <p:cTn id="1" dur="indefinite" restart="never" nodeType="tmRoot"/>
-      </p:par>
-    </p:tnLst>
-  </p:timing>
   <p:txStyles>
     <p:titleStyle>
       <a:lvl1pPr marL="342900" indent="-342900" algn="ctr" defTabSz="-13873163" rtl="0" eaLnBrk="1" fontAlgn="base" hangingPunct="1">
@@ -2965,7 +2948,7 @@
           <a:p>
             <a:pPr marL="0" indent="0" defTabSz="914400" eaLnBrk="1" hangingPunct="1"/>
             <a:r>
-              <a:rPr lang="en-US" dirty="0" smtClean="0"/>
+              <a:rPr lang="en-US" dirty="0"/>
               <a:t>ASP.NET MVC</a:t>
             </a:r>
           </a:p>
@@ -2988,7 +2971,7 @@
           <a:p>
             <a:pPr defTabSz="914400" eaLnBrk="1" hangingPunct="1"/>
             <a:r>
-              <a:rPr lang="en-US" dirty="0" smtClean="0"/>
+              <a:rPr lang="en-US" dirty="0"/>
               <a:t>C is for Controller</a:t>
             </a:r>
           </a:p>
@@ -3002,13 +2985,6 @@
   <p:transition>
     <p:fade/>
   </p:transition>
-  <p:timing>
-    <p:tnLst>
-      <p:par>
-        <p:cTn id="1" dur="indefinite" restart="never" nodeType="tmRoot"/>
-      </p:par>
-    </p:tnLst>
-  </p:timing>
 </p:sld>
 </file>
 
@@ -3045,10 +3021,9 @@
           <a:lstStyle/>
           <a:p>
             <a:r>
-              <a:rPr lang="en-US" dirty="0" smtClean="0"/>
+              <a:rPr lang="en-US" dirty="0"/>
               <a:t>Action Result Helpers</a:t>
             </a:r>
-            <a:endParaRPr lang="en-US" dirty="0"/>
           </a:p>
         </p:txBody>
       </p:sp>
@@ -3068,25 +3043,24 @@
           <a:lstStyle/>
           <a:p>
             <a:r>
-              <a:rPr lang="en-US" dirty="0" smtClean="0"/>
+              <a:rPr lang="en-US" dirty="0"/>
               <a:t>Controller base class provides convenience methods</a:t>
             </a:r>
           </a:p>
           <a:p>
             <a:pPr lvl="1"/>
             <a:r>
-              <a:rPr lang="en-US" dirty="0" smtClean="0"/>
+              <a:rPr lang="en-US" dirty="0"/>
               <a:t>Created, </a:t>
             </a:r>
             <a:r>
-              <a:rPr lang="en-US" dirty="0" err="1" smtClean="0"/>
+              <a:rPr lang="en-US" dirty="0" err="1"/>
               <a:t>HttpNotFound</a:t>
             </a:r>
             <a:r>
-              <a:rPr lang="en-US" dirty="0" smtClean="0"/>
+              <a:rPr lang="en-US" dirty="0"/>
               <a:t>, 	Redirect, and more</a:t>
             </a:r>
-            <a:endParaRPr lang="en-US" dirty="0"/>
           </a:p>
         </p:txBody>
       </p:sp>
@@ -3173,10 +3147,9 @@
           <a:lstStyle/>
           <a:p>
             <a:r>
-              <a:rPr lang="en-US" dirty="0" smtClean="0"/>
+              <a:rPr lang="en-US" dirty="0"/>
               <a:t>Content Negotiation</a:t>
             </a:r>
-            <a:endParaRPr lang="en-US" dirty="0"/>
           </a:p>
         </p:txBody>
       </p:sp>
@@ -3196,16 +3169,15 @@
           <a:lstStyle/>
           <a:p>
             <a:r>
-              <a:rPr lang="en-US" dirty="0" smtClean="0"/>
+              <a:rPr lang="en-US" dirty="0"/>
               <a:t>Default format is JSON </a:t>
             </a:r>
           </a:p>
           <a:p>
             <a:r>
-              <a:rPr lang="en-US" dirty="0" smtClean="0"/>
+              <a:rPr lang="en-US" dirty="0"/>
               <a:t>XML formatter not included by default</a:t>
             </a:r>
-            <a:endParaRPr lang="en-US" dirty="0"/>
           </a:p>
         </p:txBody>
       </p:sp>
@@ -3256,13 +3228,6 @@
   <p:transition>
     <p:fade/>
   </p:transition>
-  <p:timing>
-    <p:tnLst>
-      <p:par>
-        <p:cTn id="1" dur="indefinite" restart="never" nodeType="tmRoot"/>
-      </p:par>
-    </p:tnLst>
-  </p:timing>
 </p:sld>
 </file>
 
@@ -3299,10 +3264,9 @@
           <a:lstStyle/>
           <a:p>
             <a:r>
-              <a:rPr lang="en-US" dirty="0" smtClean="0"/>
+              <a:rPr lang="en-US" dirty="0"/>
               <a:t>MVC Options</a:t>
             </a:r>
-            <a:endParaRPr lang="en-US" dirty="0"/>
           </a:p>
         </p:txBody>
       </p:sp>
@@ -3322,11 +3286,11 @@
           <a:lstStyle/>
           <a:p>
             <a:r>
-              <a:rPr lang="en-US" dirty="0" smtClean="0"/>
+              <a:rPr lang="en-US" dirty="0"/>
               <a:t>Configure in </a:t>
             </a:r>
             <a:r>
-              <a:rPr lang="en-US" dirty="0" err="1" smtClean="0"/>
+              <a:rPr lang="en-US" dirty="0" err="1"/>
               <a:t>ConfigureServices</a:t>
             </a:r>
             <a:endParaRPr lang="en-US" dirty="0"/>
@@ -3380,13 +3344,6 @@
   <p:transition>
     <p:fade/>
   </p:transition>
-  <p:timing>
-    <p:tnLst>
-      <p:par>
-        <p:cTn id="1" dur="indefinite" restart="never" nodeType="tmRoot"/>
-      </p:par>
-    </p:tnLst>
-  </p:timing>
 </p:sld>
 </file>
 
@@ -3423,10 +3380,9 @@
           <a:lstStyle/>
           <a:p>
             <a:r>
-              <a:rPr lang="en-US" dirty="0" smtClean="0"/>
+              <a:rPr lang="en-US" dirty="0"/>
               <a:t>Action Filters</a:t>
             </a:r>
-            <a:endParaRPr lang="en-US" dirty="0"/>
           </a:p>
         </p:txBody>
       </p:sp>
@@ -3446,10 +3402,9 @@
           <a:lstStyle/>
           <a:p>
             <a:r>
-              <a:rPr lang="en-US" dirty="0" smtClean="0"/>
+              <a:rPr lang="en-US" dirty="0"/>
               <a:t>Filters work on actions, controllers, and globally</a:t>
             </a:r>
-            <a:endParaRPr lang="en-US" dirty="0"/>
           </a:p>
         </p:txBody>
       </p:sp>
@@ -3536,10 +3491,9 @@
           <a:lstStyle/>
           <a:p>
             <a:r>
-              <a:rPr lang="en-US" dirty="0" smtClean="0"/>
+              <a:rPr lang="en-US" dirty="0"/>
               <a:t>Dependency Injection</a:t>
             </a:r>
-            <a:endParaRPr lang="en-US" dirty="0"/>
           </a:p>
         </p:txBody>
       </p:sp>
@@ -3559,10 +3513,9 @@
           <a:lstStyle/>
           <a:p>
             <a:r>
-              <a:rPr lang="en-US" dirty="0" smtClean="0"/>
+              <a:rPr lang="en-US" dirty="0"/>
               <a:t>Controller and filters can all use constructor injection</a:t>
             </a:r>
-            <a:endParaRPr lang="en-US" dirty="0"/>
           </a:p>
         </p:txBody>
       </p:sp>
@@ -3649,18 +3602,17 @@
           <a:lstStyle/>
           <a:p>
             <a:r>
-              <a:rPr lang="en-US" dirty="0" smtClean="0"/>
+              <a:rPr lang="en-US" dirty="0"/>
               <a:t>[</a:t>
             </a:r>
             <a:r>
-              <a:rPr lang="en-US" dirty="0" err="1" smtClean="0"/>
+              <a:rPr lang="en-US" dirty="0" err="1"/>
               <a:t>FromServices</a:t>
             </a:r>
             <a:r>
-              <a:rPr lang="en-US" dirty="0" smtClean="0"/>
+              <a:rPr lang="en-US" dirty="0"/>
               <a:t>]</a:t>
             </a:r>
-            <a:endParaRPr lang="en-US" dirty="0"/>
           </a:p>
         </p:txBody>
       </p:sp>
@@ -3680,16 +3632,15 @@
           <a:lstStyle/>
           <a:p>
             <a:r>
-              <a:rPr lang="en-US" dirty="0" smtClean="0"/>
+              <a:rPr lang="en-US" dirty="0"/>
               <a:t>Attribute allows binding on properties</a:t>
             </a:r>
           </a:p>
           <a:p>
             <a:r>
-              <a:rPr lang="en-US" dirty="0" smtClean="0"/>
+              <a:rPr lang="en-US" dirty="0"/>
               <a:t>Even works with model objects</a:t>
             </a:r>
-            <a:endParaRPr lang="en-US" dirty="0"/>
           </a:p>
         </p:txBody>
       </p:sp>
@@ -3776,10 +3727,9 @@
           <a:lstStyle/>
           <a:p>
             <a:r>
-              <a:rPr lang="en-US" dirty="0" smtClean="0"/>
+              <a:rPr lang="en-US" dirty="0"/>
               <a:t>Summary</a:t>
             </a:r>
-            <a:endParaRPr lang="en-US" dirty="0"/>
           </a:p>
         </p:txBody>
       </p:sp>
@@ -4127,14 +4077,11 @@
           <a:p>
             <a:pPr algn="ctr"/>
             <a:r>
-              <a:rPr lang="en-US" sz="2000" dirty="0" smtClean="0">
+              <a:rPr lang="en-US" sz="2000" dirty="0">
                 <a:latin typeface="Tekton Pro" pitchFamily="34" charset="0"/>
               </a:rPr>
               <a:t>Controller</a:t>
             </a:r>
-            <a:endParaRPr lang="en-US" sz="2000" dirty="0">
-              <a:latin typeface="Tekton Pro" pitchFamily="34" charset="0"/>
-            </a:endParaRPr>
           </a:p>
         </p:txBody>
       </p:sp>
@@ -4307,14 +4254,11 @@
           <a:p>
             <a:pPr algn="ctr"/>
             <a:r>
-              <a:rPr lang="en-US" sz="2000" dirty="0" smtClean="0">
+              <a:rPr lang="en-US" sz="2000" dirty="0">
                 <a:latin typeface="Tekton Pro" pitchFamily="34" charset="0"/>
               </a:rPr>
               <a:t>Model</a:t>
             </a:r>
-            <a:endParaRPr lang="en-US" sz="2000" dirty="0">
-              <a:latin typeface="Tekton Pro" pitchFamily="34" charset="0"/>
-            </a:endParaRPr>
           </a:p>
         </p:txBody>
       </p:sp>
@@ -4487,14 +4431,11 @@
           <a:p>
             <a:pPr algn="ctr"/>
             <a:r>
-              <a:rPr lang="en-US" sz="2000" dirty="0" smtClean="0">
+              <a:rPr lang="en-US" sz="2000" dirty="0">
                 <a:latin typeface="Tekton Pro" pitchFamily="34" charset="0"/>
               </a:rPr>
               <a:t>View</a:t>
             </a:r>
-            <a:endParaRPr lang="en-US" sz="2000" dirty="0">
-              <a:latin typeface="Tekton Pro" pitchFamily="34" charset="0"/>
-            </a:endParaRPr>
           </a:p>
         </p:txBody>
       </p:sp>
@@ -4547,10 +4488,9 @@
           <a:lstStyle/>
           <a:p>
             <a:r>
-              <a:rPr lang="en-US" dirty="0" smtClean="0"/>
+              <a:rPr lang="en-US" dirty="0"/>
               <a:t>MVC – The Pattern</a:t>
             </a:r>
-            <a:endParaRPr lang="en-US" dirty="0"/>
           </a:p>
         </p:txBody>
       </p:sp>
@@ -4879,14 +4819,11 @@
           <a:p>
             <a:pPr algn="ctr"/>
             <a:r>
-              <a:rPr lang="en-US" sz="2000" dirty="0" smtClean="0">
+              <a:rPr lang="en-US" sz="2000" dirty="0">
                 <a:latin typeface="Tekton Pro" pitchFamily="34" charset="0"/>
               </a:rPr>
               <a:t>Controller</a:t>
             </a:r>
-            <a:endParaRPr lang="en-US" sz="2000" dirty="0">
-              <a:latin typeface="Tekton Pro" pitchFamily="34" charset="0"/>
-            </a:endParaRPr>
           </a:p>
         </p:txBody>
       </p:sp>
@@ -5059,14 +4996,11 @@
           <a:p>
             <a:pPr algn="ctr"/>
             <a:r>
-              <a:rPr lang="en-US" sz="2000" dirty="0" smtClean="0">
+              <a:rPr lang="en-US" sz="2000" dirty="0">
                 <a:latin typeface="Tekton Pro" pitchFamily="34" charset="0"/>
               </a:rPr>
               <a:t>Model</a:t>
             </a:r>
-            <a:endParaRPr lang="en-US" sz="2000" dirty="0">
-              <a:latin typeface="Tekton Pro" pitchFamily="34" charset="0"/>
-            </a:endParaRPr>
           </a:p>
         </p:txBody>
       </p:sp>
@@ -5239,14 +5173,11 @@
           <a:p>
             <a:pPr algn="ctr"/>
             <a:r>
-              <a:rPr lang="en-US" sz="2000" dirty="0" smtClean="0">
+              <a:rPr lang="en-US" sz="2000" dirty="0">
                 <a:latin typeface="Tekton Pro" pitchFamily="34" charset="0"/>
               </a:rPr>
               <a:t>View</a:t>
             </a:r>
-            <a:endParaRPr lang="en-US" sz="2000" dirty="0">
-              <a:latin typeface="Tekton Pro" pitchFamily="34" charset="0"/>
-            </a:endParaRPr>
           </a:p>
         </p:txBody>
       </p:sp>
@@ -5263,13 +5194,6 @@
   <p:transition>
     <p:fade/>
   </p:transition>
-  <p:timing>
-    <p:tnLst>
-      <p:par>
-        <p:cTn id="1" dur="indefinite" restart="never" nodeType="tmRoot"/>
-      </p:par>
-    </p:tnLst>
-  </p:timing>
 </p:sld>
 </file>
 
@@ -5306,10 +5230,9 @@
           <a:lstStyle/>
           <a:p>
             <a:r>
-              <a:rPr lang="en-US" dirty="0" smtClean="0"/>
+              <a:rPr lang="en-US" dirty="0"/>
               <a:t>Setup</a:t>
             </a:r>
-            <a:endParaRPr lang="en-US" dirty="0"/>
           </a:p>
         </p:txBody>
       </p:sp>
@@ -5329,27 +5252,26 @@
           <a:lstStyle/>
           <a:p>
             <a:r>
-              <a:rPr lang="en-US" dirty="0" smtClean="0"/>
+              <a:rPr lang="en-US" dirty="0"/>
               <a:t>Package </a:t>
             </a:r>
             <a:r>
-              <a:rPr lang="en-US" dirty="0" err="1" smtClean="0"/>
-              <a:t>Microsoft.AspNet.Mvc</a:t>
-            </a:r>
-            <a:endParaRPr lang="en-US" dirty="0" smtClean="0"/>
-          </a:p>
-          <a:p>
-            <a:r>
-              <a:rPr lang="en-US" dirty="0" smtClean="0"/>
+              <a:rPr lang="en-US" dirty="0" err="1"/>
+              <a:t>Microsoft.AspNetCore.Mvc</a:t>
+            </a:r>
+            <a:endParaRPr lang="en-US" dirty="0"/>
+          </a:p>
+          <a:p>
+            <a:r>
+              <a:rPr lang="en-US" dirty="0"/>
               <a:t>Add the MVC services</a:t>
             </a:r>
           </a:p>
           <a:p>
             <a:r>
-              <a:rPr lang="en-US" dirty="0" smtClean="0"/>
+              <a:rPr lang="en-US" dirty="0"/>
               <a:t>Use the MVC middleware</a:t>
             </a:r>
-            <a:endParaRPr lang="en-US" dirty="0"/>
           </a:p>
         </p:txBody>
       </p:sp>
@@ -5403,13 +5325,6 @@
   <p:transition>
     <p:fade/>
   </p:transition>
-  <p:timing>
-    <p:tnLst>
-      <p:par>
-        <p:cTn id="1" dur="indefinite" restart="never" nodeType="tmRoot"/>
-      </p:par>
-    </p:tnLst>
-  </p:timing>
 </p:sld>
 </file>
 
@@ -5446,10 +5361,9 @@
           <a:lstStyle/>
           <a:p>
             <a:r>
-              <a:rPr lang="en-US" dirty="0" smtClean="0"/>
+              <a:rPr lang="en-US" dirty="0"/>
               <a:t>Controllers</a:t>
             </a:r>
-            <a:endParaRPr lang="en-US" dirty="0"/>
           </a:p>
         </p:txBody>
       </p:sp>
@@ -5469,22 +5383,21 @@
           <a:lstStyle/>
           <a:p>
             <a:r>
-              <a:rPr lang="en-US" dirty="0" smtClean="0"/>
+              <a:rPr lang="en-US" dirty="0"/>
               <a:t>Can be POCOs with a Controller name suffix</a:t>
             </a:r>
           </a:p>
           <a:p>
             <a:r>
-              <a:rPr lang="en-US" dirty="0" smtClean="0"/>
+              <a:rPr lang="en-US" dirty="0"/>
               <a:t>Or, derive from Controller base class</a:t>
             </a:r>
           </a:p>
           <a:p>
             <a:r>
-              <a:rPr lang="en-US" dirty="0" smtClean="0"/>
+              <a:rPr lang="en-US" dirty="0"/>
               <a:t>Public methods are actions</a:t>
             </a:r>
-            <a:endParaRPr lang="en-US" dirty="0"/>
           </a:p>
         </p:txBody>
       </p:sp>
@@ -5535,13 +5448,6 @@
   <p:transition>
     <p:fade/>
   </p:transition>
-  <p:timing>
-    <p:tnLst>
-      <p:par>
-        <p:cTn id="1" dur="indefinite" restart="never" nodeType="tmRoot"/>
-      </p:par>
-    </p:tnLst>
-  </p:timing>
 </p:sld>
 </file>
 
@@ -5578,11 +5484,11 @@
           <a:lstStyle/>
           <a:p>
             <a:r>
-              <a:rPr lang="en-US" dirty="0" smtClean="0"/>
+              <a:rPr lang="en-US" dirty="0"/>
               <a:t>Routing with </a:t>
             </a:r>
             <a:r>
-              <a:rPr lang="en-US" dirty="0" err="1" smtClean="0"/>
+              <a:rPr lang="en-US" dirty="0" err="1"/>
               <a:t>MapRoute</a:t>
             </a:r>
             <a:endParaRPr lang="en-US" dirty="0"/>
@@ -5605,10 +5511,9 @@
           <a:lstStyle/>
           <a:p>
             <a:r>
-              <a:rPr lang="en-US" dirty="0" smtClean="0"/>
+              <a:rPr lang="en-US" dirty="0"/>
               <a:t>Supports defaults and catch-all parameters</a:t>
             </a:r>
-            <a:endParaRPr lang="en-US" dirty="0"/>
           </a:p>
         </p:txBody>
       </p:sp>
@@ -5659,13 +5564,6 @@
   <p:transition>
     <p:fade/>
   </p:transition>
-  <p:timing>
-    <p:tnLst>
-      <p:par>
-        <p:cTn id="1" dur="indefinite" restart="never" nodeType="tmRoot"/>
-      </p:par>
-    </p:tnLst>
-  </p:timing>
 </p:sld>
 </file>
 
@@ -5702,10 +5600,9 @@
           <a:lstStyle/>
           <a:p>
             <a:r>
-              <a:rPr lang="en-US" dirty="0" smtClean="0"/>
+              <a:rPr lang="en-US" dirty="0"/>
               <a:t>Routing with Attributes</a:t>
             </a:r>
-            <a:endParaRPr lang="en-US" dirty="0"/>
           </a:p>
         </p:txBody>
       </p:sp>
@@ -5725,16 +5622,15 @@
           <a:lstStyle/>
           <a:p>
             <a:r>
-              <a:rPr lang="en-US" dirty="0" smtClean="0"/>
+              <a:rPr lang="en-US" dirty="0"/>
               <a:t>Sets routing rules inline with a controller</a:t>
             </a:r>
           </a:p>
           <a:p>
             <a:r>
-              <a:rPr lang="en-US" dirty="0" smtClean="0"/>
+              <a:rPr lang="en-US" dirty="0"/>
               <a:t>Use [controller] and [action] tokens</a:t>
             </a:r>
-            <a:endParaRPr lang="en-US" dirty="0"/>
           </a:p>
         </p:txBody>
       </p:sp>
@@ -5775,13 +5671,6 @@
   <p:transition>
     <p:fade/>
   </p:transition>
-  <p:timing>
-    <p:tnLst>
-      <p:par>
-        <p:cTn id="1" dur="indefinite" restart="never" nodeType="tmRoot"/>
-      </p:par>
-    </p:tnLst>
-  </p:timing>
 </p:sld>
 </file>
 
@@ -5818,10 +5707,9 @@
           <a:lstStyle/>
           <a:p>
             <a:r>
-              <a:rPr lang="en-US" dirty="0" smtClean="0"/>
+              <a:rPr lang="en-US" dirty="0"/>
               <a:t>Verb Routing versus Named Actions</a:t>
             </a:r>
-            <a:endParaRPr lang="en-US" dirty="0"/>
           </a:p>
         </p:txBody>
       </p:sp>
@@ -5841,10 +5729,9 @@
           <a:lstStyle/>
           <a:p>
             <a:r>
-              <a:rPr lang="en-US" dirty="0" smtClean="0"/>
+              <a:rPr lang="en-US" dirty="0"/>
               <a:t>Routing works with actions and API style routing</a:t>
             </a:r>
-            <a:endParaRPr lang="en-US" dirty="0"/>
           </a:p>
         </p:txBody>
       </p:sp>
@@ -5885,13 +5772,6 @@
   <p:transition>
     <p:fade/>
   </p:transition>
-  <p:timing>
-    <p:tnLst>
-      <p:par>
-        <p:cTn id="1" dur="indefinite" restart="never" nodeType="tmRoot"/>
-      </p:par>
-    </p:tnLst>
-  </p:timing>
 </p:sld>
 </file>
 
@@ -5928,10 +5808,9 @@
           <a:lstStyle/>
           <a:p>
             <a:r>
-              <a:rPr lang="en-US" dirty="0" smtClean="0"/>
+              <a:rPr lang="en-US" dirty="0"/>
               <a:t>Controller Base Class</a:t>
             </a:r>
-            <a:endParaRPr lang="en-US" dirty="0"/>
           </a:p>
         </p:txBody>
       </p:sp>
@@ -5951,24 +5830,23 @@
           <a:lstStyle/>
           <a:p>
             <a:r>
-              <a:rPr lang="en-US" dirty="0" smtClean="0"/>
+              <a:rPr lang="en-US" dirty="0"/>
               <a:t>Provides access to HTTP context, current user, request, response</a:t>
             </a:r>
           </a:p>
           <a:p>
             <a:r>
-              <a:rPr lang="en-US" dirty="0" smtClean="0"/>
+              <a:rPr lang="en-US" dirty="0"/>
               <a:t>Provides </a:t>
             </a:r>
             <a:r>
-              <a:rPr lang="en-US" dirty="0" err="1" smtClean="0"/>
+              <a:rPr lang="en-US" dirty="0" err="1"/>
               <a:t>IActionResult</a:t>
             </a:r>
             <a:r>
-              <a:rPr lang="en-US" dirty="0" smtClean="0"/>
+              <a:rPr lang="en-US" dirty="0"/>
               <a:t> helpers</a:t>
             </a:r>
-            <a:endParaRPr lang="en-US" dirty="0"/>
           </a:p>
         </p:txBody>
       </p:sp>
@@ -6045,10 +5923,9 @@
           <a:lstStyle/>
           <a:p>
             <a:r>
-              <a:rPr lang="en-US" dirty="0" smtClean="0"/>
+              <a:rPr lang="en-US" dirty="0"/>
               <a:t>Action Results</a:t>
             </a:r>
-            <a:endParaRPr lang="en-US" dirty="0"/>
           </a:p>
         </p:txBody>
       </p:sp>
@@ -6068,17 +5945,17 @@
           <a:lstStyle/>
           <a:p>
             <a:r>
-              <a:rPr lang="en-US" dirty="0" err="1" smtClean="0"/>
+              <a:rPr lang="en-US" dirty="0" err="1"/>
               <a:t>IHttpActionResult</a:t>
             </a:r>
             <a:r>
-              <a:rPr lang="en-US" dirty="0" smtClean="0"/>
+              <a:rPr lang="en-US" dirty="0"/>
               <a:t> encapsulates controller decision</a:t>
             </a:r>
           </a:p>
           <a:p>
             <a:r>
-              <a:rPr lang="en-US" dirty="0" smtClean="0"/>
+              <a:rPr lang="en-US" dirty="0"/>
               <a:t>Execution of result is later in the MVC pipeline</a:t>
             </a:r>
           </a:p>
@@ -6131,13 +6008,6 @@
   <p:transition>
     <p:fade/>
   </p:transition>
-  <p:timing>
-    <p:tnLst>
-      <p:par>
-        <p:cTn id="1" dur="indefinite" restart="never" nodeType="tmRoot"/>
-      </p:par>
-    </p:tnLst>
-  </p:timing>
 </p:sld>
 </file>
 

--- a/aspnet5/slides/04_Controllers.pptx
+++ b/aspnet5/slides/04_Controllers.pptx
@@ -5,10 +5,10 @@
     <p:sldMasterId id="2147483772" r:id="rId1"/>
   </p:sldMasterIdLst>
   <p:notesMasterIdLst>
-    <p:notesMasterId r:id="rId18"/>
+    <p:notesMasterId r:id="rId19"/>
   </p:notesMasterIdLst>
   <p:handoutMasterIdLst>
-    <p:handoutMasterId r:id="rId19"/>
+    <p:handoutMasterId r:id="rId20"/>
   </p:handoutMasterIdLst>
   <p:sldIdLst>
     <p:sldId id="327" r:id="rId2"/>
@@ -26,7 +26,8 @@
     <p:sldId id="339" r:id="rId14"/>
     <p:sldId id="340" r:id="rId15"/>
     <p:sldId id="342" r:id="rId16"/>
-    <p:sldId id="341" r:id="rId17"/>
+    <p:sldId id="343" r:id="rId17"/>
+    <p:sldId id="341" r:id="rId18"/>
   </p:sldIdLst>
   <p:sldSz cx="9144000" cy="6858000" type="screen4x3"/>
   <p:notesSz cx="7302500" cy="9588500"/>
@@ -175,6 +176,7 @@
             <p14:sldId id="339"/>
             <p14:sldId id="340"/>
             <p14:sldId id="342"/>
+            <p14:sldId id="343"/>
             <p14:sldId id="341"/>
           </p14:sldIdLst>
         </p14:section>
@@ -303,7 +305,7 @@
               <a:pPr>
                 <a:defRPr/>
               </a:pPr>
-              <a:t>2/22/2017</a:t>
+              <a:t>3/8/2018</a:t>
             </a:fld>
             <a:endParaRPr lang="en-US"/>
           </a:p>
@@ -3695,6 +3697,108 @@
 </file>
 
 <file path=ppt/slides/slide16.xml><?xml version="1.0" encoding="utf-8"?>
+<p:sld xmlns:a="http://schemas.openxmlformats.org/drawingml/2006/main" xmlns:r="http://schemas.openxmlformats.org/officeDocument/2006/relationships" xmlns:p="http://schemas.openxmlformats.org/presentationml/2006/main">
+  <p:cSld>
+    <p:spTree>
+      <p:nvGrpSpPr>
+        <p:cNvPr id="1" name=""/>
+        <p:cNvGrpSpPr/>
+        <p:nvPr/>
+      </p:nvGrpSpPr>
+      <p:grpSpPr>
+        <a:xfrm>
+          <a:off x="0" y="0"/>
+          <a:ext cx="0" cy="0"/>
+          <a:chOff x="0" y="0"/>
+          <a:chExt cx="0" cy="0"/>
+        </a:xfrm>
+      </p:grpSpPr>
+      <p:sp>
+        <p:nvSpPr>
+          <p:cNvPr id="2" name="Title 1">
+            <a:extLst>
+              <a:ext uri="{FF2B5EF4-FFF2-40B4-BE49-F238E27FC236}">
+                <a16:creationId xmlns:a16="http://schemas.microsoft.com/office/drawing/2014/main" id="{8145E9A8-C26C-45EF-BAE2-4CB1A41060EC}"/>
+              </a:ext>
+            </a:extLst>
+          </p:cNvPr>
+          <p:cNvSpPr>
+            <a:spLocks noGrp="1"/>
+          </p:cNvSpPr>
+          <p:nvPr>
+            <p:ph type="title"/>
+          </p:nvPr>
+        </p:nvSpPr>
+        <p:spPr/>
+        <p:txBody>
+          <a:bodyPr/>
+          <a:lstStyle/>
+          <a:p>
+            <a:r>
+              <a:rPr lang="en-US" dirty="0"/>
+              <a:t>Opinion</a:t>
+            </a:r>
+          </a:p>
+        </p:txBody>
+      </p:sp>
+      <p:sp>
+        <p:nvSpPr>
+          <p:cNvPr id="3" name="Text Placeholder 2">
+            <a:extLst>
+              <a:ext uri="{FF2B5EF4-FFF2-40B4-BE49-F238E27FC236}">
+                <a16:creationId xmlns:a16="http://schemas.microsoft.com/office/drawing/2014/main" id="{80054952-6E76-49E0-AB62-739F120E91E3}"/>
+              </a:ext>
+            </a:extLst>
+          </p:cNvPr>
+          <p:cNvSpPr>
+            <a:spLocks noGrp="1"/>
+          </p:cNvSpPr>
+          <p:nvPr>
+            <p:ph type="body" idx="1"/>
+          </p:nvPr>
+        </p:nvSpPr>
+        <p:spPr/>
+        <p:txBody>
+          <a:bodyPr/>
+          <a:lstStyle/>
+          <a:p>
+            <a:r>
+              <a:rPr lang="en-US" dirty="0"/>
+              <a:t>MVC Controllers work best for building APIs</a:t>
+            </a:r>
+          </a:p>
+          <a:p>
+            <a:endParaRPr lang="en-US" dirty="0"/>
+          </a:p>
+          <a:p>
+            <a:r>
+              <a:rPr lang="en-US" dirty="0"/>
+              <a:t>For HTML, consider </a:t>
+            </a:r>
+            <a:r>
+              <a:rPr lang="en-US"/>
+              <a:t>Razor Pages</a:t>
+            </a:r>
+          </a:p>
+        </p:txBody>
+      </p:sp>
+    </p:spTree>
+    <p:extLst>
+      <p:ext uri="{BB962C8B-B14F-4D97-AF65-F5344CB8AC3E}">
+        <p14:creationId xmlns:p14="http://schemas.microsoft.com/office/powerpoint/2010/main" val="1261705295"/>
+      </p:ext>
+    </p:extLst>
+  </p:cSld>
+  <p:clrMapOvr>
+    <a:masterClrMapping/>
+  </p:clrMapOvr>
+  <p:transition>
+    <p:fade/>
+  </p:transition>
+</p:sld>
+</file>
+
+<file path=ppt/slides/slide17.xml><?xml version="1.0" encoding="utf-8"?>
 <p:sld xmlns:a="http://schemas.openxmlformats.org/drawingml/2006/main" xmlns:r="http://schemas.openxmlformats.org/officeDocument/2006/relationships" xmlns:p="http://schemas.openxmlformats.org/presentationml/2006/main">
   <p:cSld>
     <p:spTree>
